--- a/Presentation Materials/MVA-ApplicationsOnAzure-08.pptx
+++ b/Presentation Materials/MVA-ApplicationsOnAzure-08.pptx
@@ -5,15 +5,18 @@
     <p:sldMasterId id="2147483660" r:id="rId4"/>
   </p:sldMasterIdLst>
   <p:notesMasterIdLst>
-    <p:notesMasterId r:id="rId8"/>
+    <p:notesMasterId r:id="rId11"/>
   </p:notesMasterIdLst>
   <p:handoutMasterIdLst>
-    <p:handoutMasterId r:id="rId9"/>
+    <p:handoutMasterId r:id="rId12"/>
   </p:handoutMasterIdLst>
   <p:sldIdLst>
     <p:sldId id="277" r:id="rId5"/>
     <p:sldId id="278" r:id="rId6"/>
-    <p:sldId id="282" r:id="rId7"/>
+    <p:sldId id="283" r:id="rId7"/>
+    <p:sldId id="285" r:id="rId8"/>
+    <p:sldId id="282" r:id="rId9"/>
+    <p:sldId id="284" r:id="rId10"/>
   </p:sldIdLst>
   <p:sldSz cx="12192000" cy="6858000"/>
   <p:notesSz cx="6858000" cy="9144000"/>
@@ -205,7 +208,7 @@
           <a:p>
             <a:fld id="{312E7B4A-039C-48A2-9B2C-AF16AA3873D8}" type="datetimeFigureOut">
               <a:rPr lang="en-US" smtClean="0"/>
-              <a:t>10/14/2015</a:t>
+              <a:t>11/6/2015</a:t>
             </a:fld>
             <a:endParaRPr lang="en-US"/>
           </a:p>
@@ -370,7 +373,7 @@
           <a:p>
             <a:fld id="{DA005A0C-54D9-45AA-87D4-C551D08DFCE1}" type="datetimeFigureOut">
               <a:rPr lang="en-US" smtClean="0"/>
-              <a:t>10/14/2015</a:t>
+              <a:t>11/6/2015</a:t>
             </a:fld>
             <a:endParaRPr lang="en-US"/>
           </a:p>
@@ -847,7 +850,12 @@
             <p:ph type="sldImg"/>
           </p:nvPr>
         </p:nvSpPr>
-        <p:spPr/>
+        <p:spPr>
+          <a:xfrm>
+            <a:off x="381000" y="685800"/>
+            <a:ext cx="6096000" cy="3429000"/>
+          </a:xfrm>
+        </p:spPr>
       </p:sp>
       <p:sp>
         <p:nvSpPr>
@@ -861,10 +869,12 @@
         </p:nvSpPr>
         <p:spPr/>
         <p:txBody>
-          <a:bodyPr/>
+          <a:bodyPr>
+            <a:normAutofit/>
+          </a:bodyPr>
           <a:lstStyle/>
           <a:p>
-            <a:endParaRPr lang="en-US"/>
+            <a:endParaRPr lang="en-CA" b="0" dirty="0" smtClean="0"/>
           </a:p>
         </p:txBody>
       </p:sp>
@@ -883,9 +893,186 @@
           <a:bodyPr/>
           <a:lstStyle/>
           <a:p>
+            <a:fld id="{13F0F35F-DD44-4607-AEC1-49D7A4BC4066}" type="slidenum">
+              <a:rPr lang="en-US" smtClean="0"/>
+              <a:pPr/>
+              <a:t>3</a:t>
+            </a:fld>
+            <a:endParaRPr lang="en-US" dirty="0"/>
+          </a:p>
+        </p:txBody>
+      </p:sp>
+    </p:spTree>
+    <p:extLst>
+      <p:ext uri="{BB962C8B-B14F-4D97-AF65-F5344CB8AC3E}">
+        <p14:creationId xmlns:p14="http://schemas.microsoft.com/office/powerpoint/2010/main" val="3848198899"/>
+      </p:ext>
+    </p:extLst>
+  </p:cSld>
+  <p:clrMapOvr>
+    <a:masterClrMapping/>
+  </p:clrMapOvr>
+</p:notes>
+</file>
+
+<file path=ppt/notesSlides/notesSlide4.xml><?xml version="1.0" encoding="utf-8"?>
+<p:notes xmlns:a="http://schemas.openxmlformats.org/drawingml/2006/main" xmlns:r="http://schemas.openxmlformats.org/officeDocument/2006/relationships" xmlns:p="http://schemas.openxmlformats.org/presentationml/2006/main">
+  <p:cSld>
+    <p:spTree>
+      <p:nvGrpSpPr>
+        <p:cNvPr id="1" name=""/>
+        <p:cNvGrpSpPr/>
+        <p:nvPr/>
+      </p:nvGrpSpPr>
+      <p:grpSpPr>
+        <a:xfrm>
+          <a:off x="0" y="0"/>
+          <a:ext cx="0" cy="0"/>
+          <a:chOff x="0" y="0"/>
+          <a:chExt cx="0" cy="0"/>
+        </a:xfrm>
+      </p:grpSpPr>
+      <p:sp>
+        <p:nvSpPr>
+          <p:cNvPr id="2" name="Slide Image Placeholder 1"/>
+          <p:cNvSpPr>
+            <a:spLocks noGrp="1" noRot="1" noChangeAspect="1"/>
+          </p:cNvSpPr>
+          <p:nvPr>
+            <p:ph type="sldImg"/>
+          </p:nvPr>
+        </p:nvSpPr>
+        <p:spPr>
+          <a:xfrm>
+            <a:off x="381000" y="685800"/>
+            <a:ext cx="6096000" cy="3429000"/>
+          </a:xfrm>
+        </p:spPr>
+      </p:sp>
+      <p:sp>
+        <p:nvSpPr>
+          <p:cNvPr id="3" name="Notes Placeholder 2"/>
+          <p:cNvSpPr>
+            <a:spLocks noGrp="1"/>
+          </p:cNvSpPr>
+          <p:nvPr>
+            <p:ph type="body" idx="1"/>
+          </p:nvPr>
+        </p:nvSpPr>
+        <p:spPr/>
+        <p:txBody>
+          <a:bodyPr>
+            <a:normAutofit/>
+          </a:bodyPr>
+          <a:lstStyle/>
+          <a:p>
+            <a:endParaRPr lang="en-CA" b="0" dirty="0" smtClean="0"/>
+          </a:p>
+        </p:txBody>
+      </p:sp>
+      <p:sp>
+        <p:nvSpPr>
+          <p:cNvPr id="4" name="Slide Number Placeholder 3"/>
+          <p:cNvSpPr>
+            <a:spLocks noGrp="1"/>
+          </p:cNvSpPr>
+          <p:nvPr>
+            <p:ph type="sldNum" sz="quarter" idx="10"/>
+          </p:nvPr>
+        </p:nvSpPr>
+        <p:spPr/>
+        <p:txBody>
+          <a:bodyPr/>
+          <a:lstStyle/>
+          <a:p>
+            <a:fld id="{13F0F35F-DD44-4607-AEC1-49D7A4BC4066}" type="slidenum">
+              <a:rPr lang="en-US" smtClean="0"/>
+              <a:pPr/>
+              <a:t>4</a:t>
+            </a:fld>
+            <a:endParaRPr lang="en-US" dirty="0"/>
+          </a:p>
+        </p:txBody>
+      </p:sp>
+    </p:spTree>
+    <p:extLst>
+      <p:ext uri="{BB962C8B-B14F-4D97-AF65-F5344CB8AC3E}">
+        <p14:creationId xmlns:p14="http://schemas.microsoft.com/office/powerpoint/2010/main" val="3875198012"/>
+      </p:ext>
+    </p:extLst>
+  </p:cSld>
+  <p:clrMapOvr>
+    <a:masterClrMapping/>
+  </p:clrMapOvr>
+</p:notes>
+</file>
+
+<file path=ppt/notesSlides/notesSlide5.xml><?xml version="1.0" encoding="utf-8"?>
+<p:notes xmlns:a="http://schemas.openxmlformats.org/drawingml/2006/main" xmlns:r="http://schemas.openxmlformats.org/officeDocument/2006/relationships" xmlns:p="http://schemas.openxmlformats.org/presentationml/2006/main">
+  <p:cSld>
+    <p:spTree>
+      <p:nvGrpSpPr>
+        <p:cNvPr id="1" name=""/>
+        <p:cNvGrpSpPr/>
+        <p:nvPr/>
+      </p:nvGrpSpPr>
+      <p:grpSpPr>
+        <a:xfrm>
+          <a:off x="0" y="0"/>
+          <a:ext cx="0" cy="0"/>
+          <a:chOff x="0" y="0"/>
+          <a:chExt cx="0" cy="0"/>
+        </a:xfrm>
+      </p:grpSpPr>
+      <p:sp>
+        <p:nvSpPr>
+          <p:cNvPr id="2" name="Slide Image Placeholder 1"/>
+          <p:cNvSpPr>
+            <a:spLocks noGrp="1" noRot="1" noChangeAspect="1"/>
+          </p:cNvSpPr>
+          <p:nvPr>
+            <p:ph type="sldImg"/>
+          </p:nvPr>
+        </p:nvSpPr>
+        <p:spPr/>
+      </p:sp>
+      <p:sp>
+        <p:nvSpPr>
+          <p:cNvPr id="3" name="Notes Placeholder 2"/>
+          <p:cNvSpPr>
+            <a:spLocks noGrp="1"/>
+          </p:cNvSpPr>
+          <p:nvPr>
+            <p:ph type="body" idx="1"/>
+          </p:nvPr>
+        </p:nvSpPr>
+        <p:spPr/>
+        <p:txBody>
+          <a:bodyPr/>
+          <a:lstStyle/>
+          <a:p>
+            <a:endParaRPr lang="en-US"/>
+          </a:p>
+        </p:txBody>
+      </p:sp>
+      <p:sp>
+        <p:nvSpPr>
+          <p:cNvPr id="4" name="Slide Number Placeholder 3"/>
+          <p:cNvSpPr>
+            <a:spLocks noGrp="1"/>
+          </p:cNvSpPr>
+          <p:nvPr>
+            <p:ph type="sldNum" sz="quarter" idx="10"/>
+          </p:nvPr>
+        </p:nvSpPr>
+        <p:spPr/>
+        <p:txBody>
+          <a:bodyPr/>
+          <a:lstStyle/>
+          <a:p>
             <a:fld id="{4CFD207A-07DF-40AD-A916-9872E089CE7A}" type="slidenum">
               <a:rPr lang="en-US" smtClean="0"/>
-              <a:t>3</a:t>
+              <a:t>5</a:t>
             </a:fld>
             <a:endParaRPr lang="en-US"/>
           </a:p>
@@ -3680,11 +3867,7 @@
             </a:r>
             <a:r>
               <a:rPr lang="en-US" smtClean="0"/>
-              <a:t>| </a:t>
-            </a:r>
-            <a:r>
-              <a:rPr lang="en-US" smtClean="0"/>
-              <a:t>Rewind</a:t>
+              <a:t>| Rewind</a:t>
             </a:r>
             <a:endParaRPr lang="en-US" dirty="0"/>
           </a:p>
@@ -3784,21 +3967,9 @@
           <a:p>
             <a:r>
               <a:rPr lang="en-GB" dirty="0" smtClean="0"/>
-              <a:t>Topic One</a:t>
-            </a:r>
-          </a:p>
-          <a:p>
-            <a:r>
-              <a:rPr lang="en-GB" dirty="0" smtClean="0"/>
-              <a:t>Topic Two</a:t>
-            </a:r>
-          </a:p>
-          <a:p>
-            <a:r>
-              <a:rPr lang="en-GB" dirty="0" smtClean="0"/>
-              <a:t>Topic Three</a:t>
-            </a:r>
-            <a:endParaRPr lang="en-GB" dirty="0"/>
+              <a:t>What we have done</a:t>
+            </a:r>
+            <a:endParaRPr lang="en-GB" dirty="0" smtClean="0"/>
           </a:p>
         </p:txBody>
       </p:sp>
@@ -3820,38 +3991,6 @@
             <a:r>
               <a:rPr lang="en-US" smtClean="0"/>
               <a:t>Module Overview</a:t>
-            </a:r>
-            <a:endParaRPr lang="en-US" dirty="0"/>
-          </a:p>
-        </p:txBody>
-      </p:sp>
-      <p:sp>
-        <p:nvSpPr>
-          <p:cNvPr id="4" name="TextBox 3"/>
-          <p:cNvSpPr txBox="1"/>
-          <p:nvPr/>
-        </p:nvSpPr>
-        <p:spPr>
-          <a:xfrm>
-            <a:off x="4432363" y="1155171"/>
-            <a:ext cx="3671248" cy="646331"/>
-          </a:xfrm>
-          <a:prstGeom prst="rect">
-            <a:avLst/>
-          </a:prstGeom>
-          <a:solidFill>
-            <a:srgbClr val="FFFF00"/>
-          </a:solidFill>
-        </p:spPr>
-        <p:txBody>
-          <a:bodyPr wrap="square" rtlCol="0">
-            <a:spAutoFit/>
-          </a:bodyPr>
-          <a:lstStyle/>
-          <a:p>
-            <a:r>
-              <a:rPr lang="en-US" dirty="0" smtClean="0"/>
-              <a:t>Please make sure there’s a “Module Overview” slide for every module</a:t>
             </a:r>
             <a:endParaRPr lang="en-US" dirty="0"/>
           </a:p>
@@ -3956,9 +4095,695 @@
           <a:bodyPr/>
           <a:lstStyle/>
           <a:p>
+            <a:pPr lvl="0"/>
             <a:r>
               <a:rPr lang="en-US" dirty="0" smtClean="0"/>
-              <a:t>Lesson slide</a:t>
+              <a:t>Bits of Azure</a:t>
+            </a:r>
+            <a:endParaRPr lang="en-US" dirty="0"/>
+          </a:p>
+        </p:txBody>
+      </p:sp>
+      <p:sp>
+        <p:nvSpPr>
+          <p:cNvPr id="5" name="TextBox 4"/>
+          <p:cNvSpPr txBox="1"/>
+          <p:nvPr/>
+        </p:nvSpPr>
+        <p:spPr>
+          <a:xfrm>
+            <a:off x="9906000" y="-1"/>
+            <a:ext cx="2286000" cy="2031325"/>
+          </a:xfrm>
+          <a:prstGeom prst="rect">
+            <a:avLst/>
+          </a:prstGeom>
+          <a:solidFill>
+            <a:srgbClr val="FFFF00"/>
+          </a:solidFill>
+          <a:ln>
+            <a:noFill/>
+          </a:ln>
+        </p:spPr>
+        <p:txBody>
+          <a:bodyPr wrap="square" rtlCol="0">
+            <a:spAutoFit/>
+          </a:bodyPr>
+          <a:lstStyle/>
+          <a:p>
+            <a:pPr algn="ctr"/>
+            <a:endParaRPr lang="en-US" dirty="0" smtClean="0"/>
+          </a:p>
+          <a:p>
+            <a:pPr algn="ctr"/>
+            <a:endParaRPr lang="en-US" dirty="0"/>
+          </a:p>
+          <a:p>
+            <a:pPr algn="ctr"/>
+            <a:r>
+              <a:rPr lang="en-US" dirty="0" smtClean="0"/>
+              <a:t>Please leave this area blank to allow for picture in picture recording</a:t>
+            </a:r>
+          </a:p>
+          <a:p>
+            <a:pPr algn="ctr"/>
+            <a:endParaRPr lang="en-US" dirty="0"/>
+          </a:p>
+        </p:txBody>
+      </p:sp>
+      <p:pic>
+        <p:nvPicPr>
+          <p:cNvPr id="6" name="Content Placeholder 5"/>
+          <p:cNvPicPr>
+            <a:picLocks noGrp="1" noChangeAspect="1"/>
+          </p:cNvPicPr>
+          <p:nvPr>
+            <p:ph sz="quarter" idx="10"/>
+          </p:nvPr>
+        </p:nvPicPr>
+        <p:blipFill>
+          <a:blip r:embed="rId3" cstate="print">
+            <a:extLst>
+              <a:ext uri="{28A0092B-C50C-407E-A947-70E740481C1C}">
+                <a14:useLocalDpi xmlns:a14="http://schemas.microsoft.com/office/drawing/2010/main" val="0"/>
+              </a:ext>
+            </a:extLst>
+          </a:blip>
+          <a:stretch>
+            <a:fillRect/>
+          </a:stretch>
+        </p:blipFill>
+        <p:spPr>
+          <a:xfrm>
+            <a:off x="3551" y="1227173"/>
+            <a:ext cx="9902449" cy="5570989"/>
+          </a:xfrm>
+        </p:spPr>
+      </p:pic>
+      <p:sp>
+        <p:nvSpPr>
+          <p:cNvPr id="8" name="Rectangle 7"/>
+          <p:cNvSpPr/>
+          <p:nvPr/>
+        </p:nvSpPr>
+        <p:spPr>
+          <a:xfrm>
+            <a:off x="1673352" y="2322576"/>
+            <a:ext cx="685800" cy="411480"/>
+          </a:xfrm>
+          <a:prstGeom prst="rect">
+            <a:avLst/>
+          </a:prstGeom>
+          <a:noFill/>
+          <a:ln>
+            <a:solidFill>
+              <a:srgbClr val="FFC000"/>
+            </a:solidFill>
+          </a:ln>
+        </p:spPr>
+        <p:style>
+          <a:lnRef idx="2">
+            <a:schemeClr val="accent1">
+              <a:shade val="50000"/>
+            </a:schemeClr>
+          </a:lnRef>
+          <a:fillRef idx="1">
+            <a:schemeClr val="accent1"/>
+          </a:fillRef>
+          <a:effectRef idx="0">
+            <a:schemeClr val="accent1"/>
+          </a:effectRef>
+          <a:fontRef idx="minor">
+            <a:schemeClr val="lt1"/>
+          </a:fontRef>
+        </p:style>
+        <p:txBody>
+          <a:bodyPr rtlCol="0" anchor="ctr"/>
+          <a:lstStyle/>
+          <a:p>
+            <a:pPr algn="ctr"/>
+            <a:endParaRPr lang="en-US"/>
+          </a:p>
+        </p:txBody>
+      </p:sp>
+      <p:sp>
+        <p:nvSpPr>
+          <p:cNvPr id="9" name="Rectangle 8"/>
+          <p:cNvSpPr/>
+          <p:nvPr/>
+        </p:nvSpPr>
+        <p:spPr>
+          <a:xfrm>
+            <a:off x="3517392" y="1879180"/>
+            <a:ext cx="749808" cy="411480"/>
+          </a:xfrm>
+          <a:prstGeom prst="rect">
+            <a:avLst/>
+          </a:prstGeom>
+          <a:noFill/>
+          <a:ln>
+            <a:solidFill>
+              <a:srgbClr val="FFC000"/>
+            </a:solidFill>
+          </a:ln>
+        </p:spPr>
+        <p:style>
+          <a:lnRef idx="2">
+            <a:schemeClr val="accent1">
+              <a:shade val="50000"/>
+            </a:schemeClr>
+          </a:lnRef>
+          <a:fillRef idx="1">
+            <a:schemeClr val="accent1"/>
+          </a:fillRef>
+          <a:effectRef idx="0">
+            <a:schemeClr val="accent1"/>
+          </a:effectRef>
+          <a:fontRef idx="minor">
+            <a:schemeClr val="lt1"/>
+          </a:fontRef>
+        </p:style>
+        <p:txBody>
+          <a:bodyPr rtlCol="0" anchor="ctr"/>
+          <a:lstStyle/>
+          <a:p>
+            <a:pPr algn="ctr"/>
+            <a:endParaRPr lang="en-US"/>
+          </a:p>
+        </p:txBody>
+      </p:sp>
+      <p:sp>
+        <p:nvSpPr>
+          <p:cNvPr id="10" name="Rectangle 9"/>
+          <p:cNvSpPr/>
+          <p:nvPr/>
+        </p:nvSpPr>
+        <p:spPr>
+          <a:xfrm>
+            <a:off x="7284720" y="4111752"/>
+            <a:ext cx="749808" cy="411480"/>
+          </a:xfrm>
+          <a:prstGeom prst="rect">
+            <a:avLst/>
+          </a:prstGeom>
+          <a:noFill/>
+          <a:ln>
+            <a:solidFill>
+              <a:srgbClr val="FFC000"/>
+            </a:solidFill>
+          </a:ln>
+        </p:spPr>
+        <p:style>
+          <a:lnRef idx="2">
+            <a:schemeClr val="accent1">
+              <a:shade val="50000"/>
+            </a:schemeClr>
+          </a:lnRef>
+          <a:fillRef idx="1">
+            <a:schemeClr val="accent1"/>
+          </a:fillRef>
+          <a:effectRef idx="0">
+            <a:schemeClr val="accent1"/>
+          </a:effectRef>
+          <a:fontRef idx="minor">
+            <a:schemeClr val="lt1"/>
+          </a:fontRef>
+        </p:style>
+        <p:txBody>
+          <a:bodyPr rtlCol="0" anchor="ctr"/>
+          <a:lstStyle/>
+          <a:p>
+            <a:pPr algn="ctr"/>
+            <a:endParaRPr lang="en-US"/>
+          </a:p>
+        </p:txBody>
+      </p:sp>
+      <p:sp>
+        <p:nvSpPr>
+          <p:cNvPr id="11" name="Rectangle 10"/>
+          <p:cNvSpPr/>
+          <p:nvPr/>
+        </p:nvSpPr>
+        <p:spPr>
+          <a:xfrm>
+            <a:off x="6108192" y="5154168"/>
+            <a:ext cx="585216" cy="411480"/>
+          </a:xfrm>
+          <a:prstGeom prst="rect">
+            <a:avLst/>
+          </a:prstGeom>
+          <a:noFill/>
+          <a:ln>
+            <a:solidFill>
+              <a:srgbClr val="FFC000"/>
+            </a:solidFill>
+          </a:ln>
+        </p:spPr>
+        <p:style>
+          <a:lnRef idx="2">
+            <a:schemeClr val="accent1">
+              <a:shade val="50000"/>
+            </a:schemeClr>
+          </a:lnRef>
+          <a:fillRef idx="1">
+            <a:schemeClr val="accent1"/>
+          </a:fillRef>
+          <a:effectRef idx="0">
+            <a:schemeClr val="accent1"/>
+          </a:effectRef>
+          <a:fontRef idx="minor">
+            <a:schemeClr val="lt1"/>
+          </a:fontRef>
+        </p:style>
+        <p:txBody>
+          <a:bodyPr rtlCol="0" anchor="ctr"/>
+          <a:lstStyle/>
+          <a:p>
+            <a:pPr algn="ctr"/>
+            <a:endParaRPr lang="en-US"/>
+          </a:p>
+        </p:txBody>
+      </p:sp>
+      <p:sp>
+        <p:nvSpPr>
+          <p:cNvPr id="12" name="Rectangle 11"/>
+          <p:cNvSpPr/>
+          <p:nvPr/>
+        </p:nvSpPr>
+        <p:spPr>
+          <a:xfrm>
+            <a:off x="2359152" y="5199888"/>
+            <a:ext cx="749808" cy="411480"/>
+          </a:xfrm>
+          <a:prstGeom prst="rect">
+            <a:avLst/>
+          </a:prstGeom>
+          <a:noFill/>
+          <a:ln>
+            <a:solidFill>
+              <a:srgbClr val="FFC000"/>
+            </a:solidFill>
+          </a:ln>
+        </p:spPr>
+        <p:style>
+          <a:lnRef idx="2">
+            <a:schemeClr val="accent1">
+              <a:shade val="50000"/>
+            </a:schemeClr>
+          </a:lnRef>
+          <a:fillRef idx="1">
+            <a:schemeClr val="accent1"/>
+          </a:fillRef>
+          <a:effectRef idx="0">
+            <a:schemeClr val="accent1"/>
+          </a:effectRef>
+          <a:fontRef idx="minor">
+            <a:schemeClr val="lt1"/>
+          </a:fontRef>
+        </p:style>
+        <p:txBody>
+          <a:bodyPr rtlCol="0" anchor="ctr"/>
+          <a:lstStyle/>
+          <a:p>
+            <a:pPr algn="ctr"/>
+            <a:endParaRPr lang="en-US"/>
+          </a:p>
+        </p:txBody>
+      </p:sp>
+      <p:sp>
+        <p:nvSpPr>
+          <p:cNvPr id="13" name="Rectangle 12"/>
+          <p:cNvSpPr/>
+          <p:nvPr/>
+        </p:nvSpPr>
+        <p:spPr>
+          <a:xfrm>
+            <a:off x="256032" y="5227320"/>
+            <a:ext cx="854982" cy="411480"/>
+          </a:xfrm>
+          <a:prstGeom prst="rect">
+            <a:avLst/>
+          </a:prstGeom>
+          <a:noFill/>
+          <a:ln>
+            <a:solidFill>
+              <a:srgbClr val="FFC000"/>
+            </a:solidFill>
+          </a:ln>
+        </p:spPr>
+        <p:style>
+          <a:lnRef idx="2">
+            <a:schemeClr val="accent1">
+              <a:shade val="50000"/>
+            </a:schemeClr>
+          </a:lnRef>
+          <a:fillRef idx="1">
+            <a:schemeClr val="accent1"/>
+          </a:fillRef>
+          <a:effectRef idx="0">
+            <a:schemeClr val="accent1"/>
+          </a:effectRef>
+          <a:fontRef idx="minor">
+            <a:schemeClr val="lt1"/>
+          </a:fontRef>
+        </p:style>
+        <p:txBody>
+          <a:bodyPr rtlCol="0" anchor="ctr"/>
+          <a:lstStyle/>
+          <a:p>
+            <a:pPr algn="ctr"/>
+            <a:endParaRPr lang="en-US"/>
+          </a:p>
+        </p:txBody>
+      </p:sp>
+      <p:sp>
+        <p:nvSpPr>
+          <p:cNvPr id="14" name="Rectangle 13"/>
+          <p:cNvSpPr/>
+          <p:nvPr/>
+        </p:nvSpPr>
+        <p:spPr>
+          <a:xfrm>
+            <a:off x="1298448" y="5227320"/>
+            <a:ext cx="813816" cy="411480"/>
+          </a:xfrm>
+          <a:prstGeom prst="rect">
+            <a:avLst/>
+          </a:prstGeom>
+          <a:noFill/>
+          <a:ln>
+            <a:solidFill>
+              <a:srgbClr val="FFC000"/>
+            </a:solidFill>
+            <a:prstDash val="sysDash"/>
+          </a:ln>
+        </p:spPr>
+        <p:style>
+          <a:lnRef idx="2">
+            <a:schemeClr val="accent1">
+              <a:shade val="50000"/>
+            </a:schemeClr>
+          </a:lnRef>
+          <a:fillRef idx="1">
+            <a:schemeClr val="accent1"/>
+          </a:fillRef>
+          <a:effectRef idx="0">
+            <a:schemeClr val="accent1"/>
+          </a:effectRef>
+          <a:fontRef idx="minor">
+            <a:schemeClr val="lt1"/>
+          </a:fontRef>
+        </p:style>
+        <p:txBody>
+          <a:bodyPr rtlCol="0" anchor="ctr"/>
+          <a:lstStyle/>
+          <a:p>
+            <a:pPr algn="ctr"/>
+            <a:endParaRPr lang="en-US"/>
+          </a:p>
+        </p:txBody>
+      </p:sp>
+      <p:sp>
+        <p:nvSpPr>
+          <p:cNvPr id="15" name="Rectangle 14"/>
+          <p:cNvSpPr/>
+          <p:nvPr/>
+        </p:nvSpPr>
+        <p:spPr>
+          <a:xfrm>
+            <a:off x="1673352" y="3107997"/>
+            <a:ext cx="813816" cy="411480"/>
+          </a:xfrm>
+          <a:prstGeom prst="rect">
+            <a:avLst/>
+          </a:prstGeom>
+          <a:noFill/>
+          <a:ln>
+            <a:solidFill>
+              <a:srgbClr val="FFC000"/>
+            </a:solidFill>
+          </a:ln>
+        </p:spPr>
+        <p:style>
+          <a:lnRef idx="2">
+            <a:schemeClr val="accent1">
+              <a:shade val="50000"/>
+            </a:schemeClr>
+          </a:lnRef>
+          <a:fillRef idx="1">
+            <a:schemeClr val="accent1"/>
+          </a:fillRef>
+          <a:effectRef idx="0">
+            <a:schemeClr val="accent1"/>
+          </a:effectRef>
+          <a:fontRef idx="minor">
+            <a:schemeClr val="lt1"/>
+          </a:fontRef>
+        </p:style>
+        <p:txBody>
+          <a:bodyPr rtlCol="0" anchor="ctr"/>
+          <a:lstStyle/>
+          <a:p>
+            <a:pPr algn="ctr"/>
+            <a:endParaRPr lang="en-US"/>
+          </a:p>
+        </p:txBody>
+      </p:sp>
+      <p:sp>
+        <p:nvSpPr>
+          <p:cNvPr id="20" name="Rectangle 19"/>
+          <p:cNvSpPr/>
+          <p:nvPr/>
+        </p:nvSpPr>
+        <p:spPr>
+          <a:xfrm>
+            <a:off x="6574536" y="1879180"/>
+            <a:ext cx="710184" cy="411480"/>
+          </a:xfrm>
+          <a:prstGeom prst="rect">
+            <a:avLst/>
+          </a:prstGeom>
+          <a:noFill/>
+          <a:ln>
+            <a:solidFill>
+              <a:srgbClr val="FFC000"/>
+            </a:solidFill>
+          </a:ln>
+        </p:spPr>
+        <p:style>
+          <a:lnRef idx="2">
+            <a:schemeClr val="accent1">
+              <a:shade val="50000"/>
+            </a:schemeClr>
+          </a:lnRef>
+          <a:fillRef idx="1">
+            <a:schemeClr val="accent1"/>
+          </a:fillRef>
+          <a:effectRef idx="0">
+            <a:schemeClr val="accent1"/>
+          </a:effectRef>
+          <a:fontRef idx="minor">
+            <a:schemeClr val="lt1"/>
+          </a:fontRef>
+        </p:style>
+        <p:txBody>
+          <a:bodyPr rtlCol="0" anchor="ctr"/>
+          <a:lstStyle/>
+          <a:p>
+            <a:pPr algn="ctr"/>
+            <a:endParaRPr lang="en-US"/>
+          </a:p>
+        </p:txBody>
+      </p:sp>
+    </p:spTree>
+    <p:extLst>
+      <p:ext uri="{BB962C8B-B14F-4D97-AF65-F5344CB8AC3E}">
+        <p14:creationId xmlns:p14="http://schemas.microsoft.com/office/powerpoint/2010/main" val="2138062894"/>
+      </p:ext>
+    </p:extLst>
+  </p:cSld>
+  <p:clrMapOvr>
+    <a:masterClrMapping/>
+  </p:clrMapOvr>
+  <p:timing>
+    <p:tnLst>
+      <p:par>
+        <p:cTn id="1" dur="indefinite" restart="never" nodeType="tmRoot"/>
+      </p:par>
+    </p:tnLst>
+  </p:timing>
+</p:sld>
+</file>
+
+<file path=ppt/slides/slide4.xml><?xml version="1.0" encoding="utf-8"?>
+<p:sld xmlns:a="http://schemas.openxmlformats.org/drawingml/2006/main" xmlns:r="http://schemas.openxmlformats.org/officeDocument/2006/relationships" xmlns:p="http://schemas.openxmlformats.org/presentationml/2006/main">
+  <p:cSld>
+    <p:spTree>
+      <p:nvGrpSpPr>
+        <p:cNvPr id="1" name=""/>
+        <p:cNvGrpSpPr/>
+        <p:nvPr/>
+      </p:nvGrpSpPr>
+      <p:grpSpPr>
+        <a:xfrm>
+          <a:off x="0" y="0"/>
+          <a:ext cx="0" cy="0"/>
+          <a:chOff x="0" y="0"/>
+          <a:chExt cx="0" cy="0"/>
+        </a:xfrm>
+      </p:grpSpPr>
+      <p:sp>
+        <p:nvSpPr>
+          <p:cNvPr id="2" name="Title 1"/>
+          <p:cNvSpPr>
+            <a:spLocks noGrp="1"/>
+          </p:cNvSpPr>
+          <p:nvPr>
+            <p:ph type="title"/>
+          </p:nvPr>
+        </p:nvSpPr>
+        <p:spPr/>
+        <p:txBody>
+          <a:bodyPr/>
+          <a:lstStyle/>
+          <a:p>
+            <a:pPr lvl="0"/>
+            <a:endParaRPr lang="en-US" dirty="0"/>
+          </a:p>
+        </p:txBody>
+      </p:sp>
+      <p:sp>
+        <p:nvSpPr>
+          <p:cNvPr id="5" name="TextBox 4"/>
+          <p:cNvSpPr txBox="1"/>
+          <p:nvPr/>
+        </p:nvSpPr>
+        <p:spPr>
+          <a:xfrm>
+            <a:off x="9906000" y="-1"/>
+            <a:ext cx="2286000" cy="2031325"/>
+          </a:xfrm>
+          <a:prstGeom prst="rect">
+            <a:avLst/>
+          </a:prstGeom>
+          <a:solidFill>
+            <a:srgbClr val="FFFF00"/>
+          </a:solidFill>
+          <a:ln>
+            <a:noFill/>
+          </a:ln>
+        </p:spPr>
+        <p:txBody>
+          <a:bodyPr wrap="square" rtlCol="0">
+            <a:spAutoFit/>
+          </a:bodyPr>
+          <a:lstStyle/>
+          <a:p>
+            <a:pPr algn="ctr"/>
+            <a:endParaRPr lang="en-US" dirty="0" smtClean="0"/>
+          </a:p>
+          <a:p>
+            <a:pPr algn="ctr"/>
+            <a:endParaRPr lang="en-US" dirty="0"/>
+          </a:p>
+          <a:p>
+            <a:pPr algn="ctr"/>
+            <a:r>
+              <a:rPr lang="en-US" dirty="0" smtClean="0"/>
+              <a:t>Please leave this area blank to allow for picture in picture recording</a:t>
+            </a:r>
+          </a:p>
+          <a:p>
+            <a:pPr algn="ctr"/>
+            <a:endParaRPr lang="en-US" dirty="0"/>
+          </a:p>
+        </p:txBody>
+      </p:sp>
+      <p:pic>
+        <p:nvPicPr>
+          <p:cNvPr id="4" name="Picture 3" descr="building blocks.png"/>
+          <p:cNvPicPr>
+            <a:picLocks noChangeAspect="1"/>
+          </p:cNvPicPr>
+          <p:nvPr/>
+        </p:nvPicPr>
+        <p:blipFill>
+          <a:blip r:embed="rId3">
+            <a:extLst>
+              <a:ext uri="{28A0092B-C50C-407E-A947-70E740481C1C}">
+                <a14:useLocalDpi xmlns:a14="http://schemas.microsoft.com/office/drawing/2010/main" val="0"/>
+              </a:ext>
+            </a:extLst>
+          </a:blip>
+          <a:stretch>
+            <a:fillRect/>
+          </a:stretch>
+        </p:blipFill>
+        <p:spPr>
+          <a:xfrm>
+            <a:off x="1035129" y="0"/>
+            <a:ext cx="8832405" cy="6858000"/>
+          </a:xfrm>
+          <a:prstGeom prst="rect">
+            <a:avLst/>
+          </a:prstGeom>
+        </p:spPr>
+      </p:pic>
+    </p:spTree>
+    <p:extLst>
+      <p:ext uri="{BB962C8B-B14F-4D97-AF65-F5344CB8AC3E}">
+        <p14:creationId xmlns:p14="http://schemas.microsoft.com/office/powerpoint/2010/main" val="1590640402"/>
+      </p:ext>
+    </p:extLst>
+  </p:cSld>
+  <p:clrMapOvr>
+    <a:masterClrMapping/>
+  </p:clrMapOvr>
+  <p:timing>
+    <p:tnLst>
+      <p:par>
+        <p:cTn id="1" dur="indefinite" restart="never" nodeType="tmRoot"/>
+      </p:par>
+    </p:tnLst>
+  </p:timing>
+</p:sld>
+</file>
+
+<file path=ppt/slides/slide5.xml><?xml version="1.0" encoding="utf-8"?>
+<p:sld xmlns:a="http://schemas.openxmlformats.org/drawingml/2006/main" xmlns:r="http://schemas.openxmlformats.org/officeDocument/2006/relationships" xmlns:p="http://schemas.openxmlformats.org/presentationml/2006/main">
+  <p:cSld>
+    <p:spTree>
+      <p:nvGrpSpPr>
+        <p:cNvPr id="1" name=""/>
+        <p:cNvGrpSpPr/>
+        <p:nvPr/>
+      </p:nvGrpSpPr>
+      <p:grpSpPr>
+        <a:xfrm>
+          <a:off x="0" y="0"/>
+          <a:ext cx="0" cy="0"/>
+          <a:chOff x="0" y="0"/>
+          <a:chExt cx="0" cy="0"/>
+        </a:xfrm>
+      </p:grpSpPr>
+      <p:sp>
+        <p:nvSpPr>
+          <p:cNvPr id="2" name="Title 1"/>
+          <p:cNvSpPr>
+            <a:spLocks noGrp="1"/>
+          </p:cNvSpPr>
+          <p:nvPr>
+            <p:ph type="title"/>
+          </p:nvPr>
+        </p:nvSpPr>
+        <p:spPr/>
+        <p:txBody>
+          <a:bodyPr/>
+          <a:lstStyle/>
+          <a:p>
+            <a:r>
+              <a:rPr lang="en-US" dirty="0" smtClean="0"/>
+              <a:t>Questions? Drop us a line</a:t>
             </a:r>
             <a:endParaRPr lang="en-US" dirty="0"/>
           </a:p>
@@ -3979,6 +4804,20 @@
           <a:bodyPr/>
           <a:lstStyle/>
           <a:p>
+            <a:r>
+              <a:rPr lang="en-US" dirty="0" smtClean="0"/>
+              <a:t>@stimms</a:t>
+            </a:r>
+          </a:p>
+          <a:p>
+            <a:r>
+              <a:rPr lang="en-US" dirty="0" smtClean="0"/>
+              <a:t>@</a:t>
+            </a:r>
+            <a:r>
+              <a:rPr lang="en-US" dirty="0" err="1" smtClean="0"/>
+              <a:t>canadianjames</a:t>
+            </a:r>
             <a:endParaRPr lang="en-US" dirty="0"/>
           </a:p>
         </p:txBody>
@@ -4047,6 +4886,44 @@
       </p:par>
     </p:tnLst>
   </p:timing>
+</p:sld>
+</file>
+
+<file path=ppt/slides/slide6.xml><?xml version="1.0" encoding="utf-8"?>
+<p:sld xmlns:a="http://schemas.openxmlformats.org/drawingml/2006/main" xmlns:r="http://schemas.openxmlformats.org/officeDocument/2006/relationships" xmlns:p="http://schemas.openxmlformats.org/presentationml/2006/main">
+  <p:cSld>
+    <p:spTree>
+      <p:nvGrpSpPr>
+        <p:cNvPr id="1" name=""/>
+        <p:cNvGrpSpPr/>
+        <p:nvPr/>
+      </p:nvGrpSpPr>
+      <p:grpSpPr>
+        <a:xfrm>
+          <a:off x="0" y="0"/>
+          <a:ext cx="0" cy="0"/>
+          <a:chOff x="0" y="0"/>
+          <a:chExt cx="0" cy="0"/>
+        </a:xfrm>
+      </p:grpSpPr>
+    </p:spTree>
+    <p:extLst>
+      <p:ext uri="{BB962C8B-B14F-4D97-AF65-F5344CB8AC3E}">
+        <p14:creationId xmlns:p14="http://schemas.microsoft.com/office/powerpoint/2010/main" val="472788767"/>
+      </p:ext>
+    </p:extLst>
+  </p:cSld>
+  <p:clrMapOvr>
+    <a:masterClrMapping/>
+  </p:clrMapOvr>
+  <mc:AlternateContent xmlns:mc="http://schemas.openxmlformats.org/markup-compatibility/2006" xmlns:p14="http://schemas.microsoft.com/office/powerpoint/2010/main">
+    <mc:Choice Requires="p14">
+      <p:transition spd="slow" p14:dur="2000"/>
+    </mc:Choice>
+    <mc:Fallback xmlns="">
+      <p:transition spd="slow"/>
+    </mc:Fallback>
+  </mc:AlternateContent>
 </p:sld>
 </file>
 
@@ -4858,15 +5735,6 @@
 </file>
 
 <file path=customXml/item1.xml><?xml version="1.0" encoding="utf-8"?>
-<?mso-contentType ?>
-<FormTemplates xmlns="http://schemas.microsoft.com/sharepoint/v3/contenttype/forms">
-  <Display>DocumentLibraryForm</Display>
-  <Edit>DocumentLibraryForm</Edit>
-  <New>DocumentLibraryForm</New>
-</FormTemplates>
-</file>
-
-<file path=customXml/item2.xml><?xml version="1.0" encoding="utf-8"?>
 <ct:contentTypeSchema xmlns:ct="http://schemas.microsoft.com/office/2006/metadata/contentType" xmlns:ma="http://schemas.microsoft.com/office/2006/metadata/properties/metaAttributes" ct:_="" ma:_="" ma:contentTypeName="Document" ma:contentTypeID="0x010100496889825850D44592AC5D2F43187AE4" ma:contentTypeVersion="9" ma:contentTypeDescription="Create a new document." ma:contentTypeScope="" ma:versionID="fa7e7aa81c9af57d0e724452ff5695cd">
   <xsd:schema xmlns:xsd="http://www.w3.org/2001/XMLSchema" xmlns:xs="http://www.w3.org/2001/XMLSchema" xmlns:p="http://schemas.microsoft.com/office/2006/metadata/properties" xmlns:ns1="http://schemas.microsoft.com/sharepoint/v3" xmlns:ns2="230e9df3-be65-4c73-a93b-d1236ebd677e" xmlns:ns3="27aa9422-7f1f-4c84-9cdf-302b1a67e513" targetNamespace="http://schemas.microsoft.com/office/2006/metadata/properties" ma:root="true" ma:fieldsID="ef7d28e69d816f0a5e355ee49f463c96" ns1:_="" ns2:_="" ns3:_="">
     <xsd:import namespace="http://schemas.microsoft.com/sharepoint/v3"/>
@@ -5074,6 +5942,15 @@
 </ct:contentTypeSchema>
 </file>
 
+<file path=customXml/item2.xml><?xml version="1.0" encoding="utf-8"?>
+<?mso-contentType ?>
+<FormTemplates xmlns="http://schemas.microsoft.com/sharepoint/v3/contenttype/forms">
+  <Display>DocumentLibraryForm</Display>
+  <Edit>DocumentLibraryForm</Edit>
+  <New>DocumentLibraryForm</New>
+</FormTemplates>
+</file>
+
 <file path=customXml/item3.xml><?xml version="1.0" encoding="utf-8"?>
 <p:properties xmlns:p="http://schemas.microsoft.com/office/2006/metadata/properties" xmlns:xsi="http://www.w3.org/2001/XMLSchema-instance" xmlns:pc="http://schemas.microsoft.com/office/infopath/2007/PartnerControls">
   <documentManagement>
@@ -5118,14 +5995,6 @@
 </file>
 
 <file path=customXml/itemProps1.xml><?xml version="1.0" encoding="utf-8"?>
-<ds:datastoreItem xmlns:ds="http://schemas.openxmlformats.org/officeDocument/2006/customXml" ds:itemID="{B0CA13EC-1D3C-4D6F-8D1C-E8A452CFC79A}">
-  <ds:schemaRefs>
-    <ds:schemaRef ds:uri="http://schemas.microsoft.com/sharepoint/v3/contenttype/forms"/>
-  </ds:schemaRefs>
-</ds:datastoreItem>
-</file>
-
-<file path=customXml/itemProps2.xml><?xml version="1.0" encoding="utf-8"?>
 <ds:datastoreItem xmlns:ds="http://schemas.openxmlformats.org/officeDocument/2006/customXml" ds:itemID="{B8E57EAE-DEC5-48ED-98EA-03E186D6E9F9}">
   <ds:schemaRefs>
     <ds:schemaRef ds:uri="http://schemas.microsoft.com/office/2006/metadata/contentType"/>
@@ -5141,6 +6010,14 @@
     <ds:schemaRef ds:uri="http://purl.org/dc/elements/1.1/"/>
     <ds:schemaRef ds:uri="http://purl.org/dc/terms/"/>
     <ds:schemaRef ds:uri="http://schemas.microsoft.com/internal/obd"/>
+  </ds:schemaRefs>
+</ds:datastoreItem>
+</file>
+
+<file path=customXml/itemProps2.xml><?xml version="1.0" encoding="utf-8"?>
+<ds:datastoreItem xmlns:ds="http://schemas.openxmlformats.org/officeDocument/2006/customXml" ds:itemID="{B0CA13EC-1D3C-4D6F-8D1C-E8A452CFC79A}">
+  <ds:schemaRefs>
+    <ds:schemaRef ds:uri="http://schemas.microsoft.com/sharepoint/v3/contenttype/forms"/>
   </ds:schemaRefs>
 </ds:datastoreItem>
 </file>

--- a/Presentation Materials/MVA-ApplicationsOnAzure-08.pptx
+++ b/Presentation Materials/MVA-ApplicationsOnAzure-08.pptx
@@ -208,7 +208,7 @@
           <a:p>
             <a:fld id="{312E7B4A-039C-48A2-9B2C-AF16AA3873D8}" type="datetimeFigureOut">
               <a:rPr lang="en-US" smtClean="0"/>
-              <a:t>11/6/2015</a:t>
+              <a:t>11/7/2015</a:t>
             </a:fld>
             <a:endParaRPr lang="en-US"/>
           </a:p>
@@ -373,7 +373,7 @@
           <a:p>
             <a:fld id="{DA005A0C-54D9-45AA-87D4-C551D08DFCE1}" type="datetimeFigureOut">
               <a:rPr lang="en-US" smtClean="0"/>
-              <a:t>11/6/2015</a:t>
+              <a:t>11/7/2015</a:t>
             </a:fld>
             <a:endParaRPr lang="en-US"/>
           </a:p>
@@ -3969,7 +3969,6 @@
               <a:rPr lang="en-GB" dirty="0" smtClean="0"/>
               <a:t>What we have done</a:t>
             </a:r>
-            <a:endParaRPr lang="en-GB" dirty="0" smtClean="0"/>
           </a:p>
         </p:txBody>
       </p:sp>
@@ -4701,7 +4700,7 @@
       </p:sp>
       <p:pic>
         <p:nvPicPr>
-          <p:cNvPr id="4" name="Picture 3" descr="building blocks.png"/>
+          <p:cNvPr id="4" name="Picture 3"/>
           <p:cNvPicPr>
             <a:picLocks noChangeAspect="1"/>
           </p:cNvPicPr>
@@ -4721,8 +4720,8 @@
         </p:blipFill>
         <p:spPr>
           <a:xfrm>
-            <a:off x="1035129" y="0"/>
-            <a:ext cx="8832405" cy="6858000"/>
+            <a:off x="1035129" y="20230"/>
+            <a:ext cx="8832405" cy="6817540"/>
           </a:xfrm>
           <a:prstGeom prst="rect">
             <a:avLst/>
@@ -5735,6 +5734,58 @@
 </file>
 
 <file path=customXml/item1.xml><?xml version="1.0" encoding="utf-8"?>
+<p:properties xmlns:p="http://schemas.microsoft.com/office/2006/metadata/properties" xmlns:xsi="http://www.w3.org/2001/XMLSchema-instance" xmlns:pc="http://schemas.microsoft.com/office/infopath/2007/PartnerControls">
+  <documentManagement>
+    <TaxCatchAll xmlns="230e9df3-be65-4c73-a93b-d1236ebd677e"/>
+    <PublishingExpirationDate xmlns="http://schemas.microsoft.com/sharepoint/v3" xsi:nil="true"/>
+    <PublishingStartDate xmlns="http://schemas.microsoft.com/sharepoint/v3" xsi:nil="true"/>
+    <TaxKeywordTaxHTField xmlns="230e9df3-be65-4c73-a93b-d1236ebd677e">
+      <Terms xmlns="http://schemas.microsoft.com/office/infopath/2007/PartnerControls"/>
+    </TaxKeywordTaxHTField>
+    <SharedWithUsers xmlns="27aa9422-7f1f-4c84-9cdf-302b1a67e513">
+      <UserInfo>
+        <DisplayName>Shriram Natarajan (SHRI)</DisplayName>
+        <AccountId>3899</AccountId>
+        <AccountType/>
+      </UserInfo>
+      <UserInfo>
+        <DisplayName>Andrew Nickels</DisplayName>
+        <AccountId>24014</AccountId>
+        <AccountType/>
+      </UserInfo>
+      <UserInfo>
+        <DisplayName>Steven Goddard (WSSC)</DisplayName>
+        <AccountId>29711</AccountId>
+        <AccountType/>
+      </UserInfo>
+      <UserInfo>
+        <DisplayName>Jim Clark (LEARNING)</DisplayName>
+        <AccountId>86</AccountId>
+        <AccountType/>
+      </UserInfo>
+      <UserInfo>
+        <DisplayName>Vijay Kumar</DisplayName>
+        <AccountId>53758</AccountId>
+        <AccountType/>
+      </UserInfo>
+    </SharedWithUsers>
+    <SharingHintHash xmlns="27aa9422-7f1f-4c84-9cdf-302b1a67e513">1366665793</SharingHintHash>
+    <_ip_UnifiedCompliancePolicyUIAction xmlns="http://schemas.microsoft.com/sharepoint/v3" xsi:nil="true"/>
+    <_ip_UnifiedCompliancePolicyProperties xmlns="http://schemas.microsoft.com/sharepoint/v3" xsi:nil="true"/>
+  </documentManagement>
+</p:properties>
+</file>
+
+<file path=customXml/item2.xml><?xml version="1.0" encoding="utf-8"?>
+<?mso-contentType ?>
+<FormTemplates xmlns="http://schemas.microsoft.com/sharepoint/v3/contenttype/forms">
+  <Display>DocumentLibraryForm</Display>
+  <Edit>DocumentLibraryForm</Edit>
+  <New>DocumentLibraryForm</New>
+</FormTemplates>
+</file>
+
+<file path=customXml/item3.xml><?xml version="1.0" encoding="utf-8"?>
 <ct:contentTypeSchema xmlns:ct="http://schemas.microsoft.com/office/2006/metadata/contentType" xmlns:ma="http://schemas.microsoft.com/office/2006/metadata/properties/metaAttributes" ct:_="" ma:_="" ma:contentTypeName="Document" ma:contentTypeID="0x010100496889825850D44592AC5D2F43187AE4" ma:contentTypeVersion="9" ma:contentTypeDescription="Create a new document." ma:contentTypeScope="" ma:versionID="fa7e7aa81c9af57d0e724452ff5695cd">
   <xsd:schema xmlns:xsd="http://www.w3.org/2001/XMLSchema" xmlns:xs="http://www.w3.org/2001/XMLSchema" xmlns:p="http://schemas.microsoft.com/office/2006/metadata/properties" xmlns:ns1="http://schemas.microsoft.com/sharepoint/v3" xmlns:ns2="230e9df3-be65-4c73-a93b-d1236ebd677e" xmlns:ns3="27aa9422-7f1f-4c84-9cdf-302b1a67e513" targetNamespace="http://schemas.microsoft.com/office/2006/metadata/properties" ma:root="true" ma:fieldsID="ef7d28e69d816f0a5e355ee49f463c96" ns1:_="" ns2:_="" ns3:_="">
     <xsd:import namespace="http://schemas.microsoft.com/sharepoint/v3"/>
@@ -5942,59 +5993,33 @@
 </ct:contentTypeSchema>
 </file>
 
-<file path=customXml/item2.xml><?xml version="1.0" encoding="utf-8"?>
-<?mso-contentType ?>
-<FormTemplates xmlns="http://schemas.microsoft.com/sharepoint/v3/contenttype/forms">
-  <Display>DocumentLibraryForm</Display>
-  <Edit>DocumentLibraryForm</Edit>
-  <New>DocumentLibraryForm</New>
-</FormTemplates>
+<file path=customXml/itemProps1.xml><?xml version="1.0" encoding="utf-8"?>
+<ds:datastoreItem xmlns:ds="http://schemas.openxmlformats.org/officeDocument/2006/customXml" ds:itemID="{7025FDD9-4C58-4084-9F89-0E6ADD6FFF55}">
+  <ds:schemaRefs>
+    <ds:schemaRef ds:uri="http://purl.org/dc/terms/"/>
+    <ds:schemaRef ds:uri="http://purl.org/dc/elements/1.1/"/>
+    <ds:schemaRef ds:uri="http://schemas.openxmlformats.org/package/2006/metadata/core-properties"/>
+    <ds:schemaRef ds:uri="27aa9422-7f1f-4c84-9cdf-302b1a67e513"/>
+    <ds:schemaRef ds:uri="http://schemas.microsoft.com/office/infopath/2007/PartnerControls"/>
+    <ds:schemaRef ds:uri="http://purl.org/dc/dcmitype/"/>
+    <ds:schemaRef ds:uri="http://www.w3.org/XML/1998/namespace"/>
+    <ds:schemaRef ds:uri="http://schemas.microsoft.com/office/2006/documentManagement/types"/>
+    <ds:schemaRef ds:uri="230e9df3-be65-4c73-a93b-d1236ebd677e"/>
+    <ds:schemaRef ds:uri="http://schemas.microsoft.com/sharepoint/v3"/>
+    <ds:schemaRef ds:uri="http://schemas.microsoft.com/office/2006/metadata/properties"/>
+  </ds:schemaRefs>
+</ds:datastoreItem>
 </file>
 
-<file path=customXml/item3.xml><?xml version="1.0" encoding="utf-8"?>
-<p:properties xmlns:p="http://schemas.microsoft.com/office/2006/metadata/properties" xmlns:xsi="http://www.w3.org/2001/XMLSchema-instance" xmlns:pc="http://schemas.microsoft.com/office/infopath/2007/PartnerControls">
-  <documentManagement>
-    <TaxCatchAll xmlns="230e9df3-be65-4c73-a93b-d1236ebd677e"/>
-    <PublishingExpirationDate xmlns="http://schemas.microsoft.com/sharepoint/v3" xsi:nil="true"/>
-    <PublishingStartDate xmlns="http://schemas.microsoft.com/sharepoint/v3" xsi:nil="true"/>
-    <TaxKeywordTaxHTField xmlns="230e9df3-be65-4c73-a93b-d1236ebd677e">
-      <Terms xmlns="http://schemas.microsoft.com/office/infopath/2007/PartnerControls"/>
-    </TaxKeywordTaxHTField>
-    <SharedWithUsers xmlns="27aa9422-7f1f-4c84-9cdf-302b1a67e513">
-      <UserInfo>
-        <DisplayName>Shriram Natarajan (SHRI)</DisplayName>
-        <AccountId>3899</AccountId>
-        <AccountType/>
-      </UserInfo>
-      <UserInfo>
-        <DisplayName>Andrew Nickels</DisplayName>
-        <AccountId>24014</AccountId>
-        <AccountType/>
-      </UserInfo>
-      <UserInfo>
-        <DisplayName>Steven Goddard (WSSC)</DisplayName>
-        <AccountId>29711</AccountId>
-        <AccountType/>
-      </UserInfo>
-      <UserInfo>
-        <DisplayName>Jim Clark (LEARNING)</DisplayName>
-        <AccountId>86</AccountId>
-        <AccountType/>
-      </UserInfo>
-      <UserInfo>
-        <DisplayName>Vijay Kumar</DisplayName>
-        <AccountId>53758</AccountId>
-        <AccountType/>
-      </UserInfo>
-    </SharedWithUsers>
-    <SharingHintHash xmlns="27aa9422-7f1f-4c84-9cdf-302b1a67e513">1366665793</SharingHintHash>
-    <_ip_UnifiedCompliancePolicyUIAction xmlns="http://schemas.microsoft.com/sharepoint/v3" xsi:nil="true"/>
-    <_ip_UnifiedCompliancePolicyProperties xmlns="http://schemas.microsoft.com/sharepoint/v3" xsi:nil="true"/>
-  </documentManagement>
-</p:properties>
+<file path=customXml/itemProps2.xml><?xml version="1.0" encoding="utf-8"?>
+<ds:datastoreItem xmlns:ds="http://schemas.openxmlformats.org/officeDocument/2006/customXml" ds:itemID="{B0CA13EC-1D3C-4D6F-8D1C-E8A452CFC79A}">
+  <ds:schemaRefs>
+    <ds:schemaRef ds:uri="http://schemas.microsoft.com/sharepoint/v3/contenttype/forms"/>
+  </ds:schemaRefs>
+</ds:datastoreItem>
 </file>
 
-<file path=customXml/itemProps1.xml><?xml version="1.0" encoding="utf-8"?>
+<file path=customXml/itemProps3.xml><?xml version="1.0" encoding="utf-8"?>
 <ds:datastoreItem xmlns:ds="http://schemas.openxmlformats.org/officeDocument/2006/customXml" ds:itemID="{B8E57EAE-DEC5-48ED-98EA-03E186D6E9F9}">
   <ds:schemaRefs>
     <ds:schemaRef ds:uri="http://schemas.microsoft.com/office/2006/metadata/contentType"/>
@@ -6012,30 +6037,4 @@
     <ds:schemaRef ds:uri="http://schemas.microsoft.com/internal/obd"/>
   </ds:schemaRefs>
 </ds:datastoreItem>
-</file>
-
-<file path=customXml/itemProps2.xml><?xml version="1.0" encoding="utf-8"?>
-<ds:datastoreItem xmlns:ds="http://schemas.openxmlformats.org/officeDocument/2006/customXml" ds:itemID="{B0CA13EC-1D3C-4D6F-8D1C-E8A452CFC79A}">
-  <ds:schemaRefs>
-    <ds:schemaRef ds:uri="http://schemas.microsoft.com/sharepoint/v3/contenttype/forms"/>
-  </ds:schemaRefs>
-</ds:datastoreItem>
-</file>
-
-<file path=customXml/itemProps3.xml><?xml version="1.0" encoding="utf-8"?>
-<ds:datastoreItem xmlns:ds="http://schemas.openxmlformats.org/officeDocument/2006/customXml" ds:itemID="{7025FDD9-4C58-4084-9F89-0E6ADD6FFF55}">
-  <ds:schemaRefs>
-    <ds:schemaRef ds:uri="http://purl.org/dc/terms/"/>
-    <ds:schemaRef ds:uri="http://purl.org/dc/elements/1.1/"/>
-    <ds:schemaRef ds:uri="http://schemas.openxmlformats.org/package/2006/metadata/core-properties"/>
-    <ds:schemaRef ds:uri="27aa9422-7f1f-4c84-9cdf-302b1a67e513"/>
-    <ds:schemaRef ds:uri="http://schemas.microsoft.com/office/infopath/2007/PartnerControls"/>
-    <ds:schemaRef ds:uri="http://purl.org/dc/dcmitype/"/>
-    <ds:schemaRef ds:uri="http://www.w3.org/XML/1998/namespace"/>
-    <ds:schemaRef ds:uri="http://schemas.microsoft.com/office/2006/documentManagement/types"/>
-    <ds:schemaRef ds:uri="230e9df3-be65-4c73-a93b-d1236ebd677e"/>
-    <ds:schemaRef ds:uri="http://schemas.microsoft.com/sharepoint/v3"/>
-    <ds:schemaRef ds:uri="http://schemas.microsoft.com/office/2006/metadata/properties"/>
-  </ds:schemaRefs>
-</ds:datastoreItem>
 </file>
--- a/Presentation Materials/MVA-ApplicationsOnAzure-08.pptx
+++ b/Presentation Materials/MVA-ApplicationsOnAzure-08.pptx
@@ -117,10 +117,10 @@
   </p:defaultTextStyle>
   <p:extLst>
     <p:ext uri="{EFAFB233-063F-42B5-8137-9DF3F51BA10A}">
-      <p15:sldGuideLst xmlns:p15="http://schemas.microsoft.com/office/powerpoint/2012/main"/>
+      <p15:sldGuideLst xmlns:p15="http://schemas.microsoft.com/office/powerpoint/2012/main" xmlns=""/>
     </p:ext>
     <p:ext uri="{2D200454-40CA-4A62-9FC3-DE9A4176ACB9}">
-      <p15:notesGuideLst xmlns:p15="http://schemas.microsoft.com/office/powerpoint/2012/main"/>
+      <p15:notesGuideLst xmlns:p15="http://schemas.microsoft.com/office/powerpoint/2012/main" xmlns=""/>
     </p:ext>
   </p:extLst>
 </p:presentation>
@@ -208,7 +208,7 @@
           <a:p>
             <a:fld id="{312E7B4A-039C-48A2-9B2C-AF16AA3873D8}" type="datetimeFigureOut">
               <a:rPr lang="en-US" smtClean="0"/>
-              <a:t>11/7/2015</a:t>
+              <a:t>2015-11-08</a:t>
             </a:fld>
             <a:endParaRPr lang="en-US"/>
           </a:p>
@@ -373,7 +373,7 @@
           <a:p>
             <a:fld id="{DA005A0C-54D9-45AA-87D4-C551D08DFCE1}" type="datetimeFigureOut">
               <a:rPr lang="en-US" smtClean="0"/>
-              <a:t>11/7/2015</a:t>
+              <a:t>2015-11-08</a:t>
             </a:fld>
             <a:endParaRPr lang="en-US"/>
           </a:p>
@@ -1479,13 +1479,13 @@
   <p:timing>
     <p:tnLst>
       <p:par>
-        <p:cTn id="1" dur="indefinite" restart="never" nodeType="tmRoot"/>
+        <p:cTn xmlns:p14="http://schemas.microsoft.com/office/powerpoint/2010/main" id="1" dur="indefinite" restart="never" nodeType="tmRoot"/>
       </p:par>
     </p:tnLst>
   </p:timing>
   <p:extLst mod="1">
     <p:ext uri="{DCECCB84-F9BA-43D5-87BE-67443E8EF086}">
-      <p15:sldGuideLst xmlns:p15="http://schemas.microsoft.com/office/powerpoint/2012/main">
+      <p15:sldGuideLst xmlns:p15="http://schemas.microsoft.com/office/powerpoint/2012/main" xmlns="">
         <p15:guide id="1" orient="horz" pos="3792">
           <p15:clr>
             <a:srgbClr val="FBAE40"/>
@@ -2138,13 +2138,13 @@
   <p:timing>
     <p:tnLst>
       <p:par>
-        <p:cTn id="1" dur="indefinite" restart="never" nodeType="tmRoot"/>
+        <p:cTn xmlns:p14="http://schemas.microsoft.com/office/powerpoint/2010/main" id="1" dur="indefinite" restart="never" nodeType="tmRoot"/>
       </p:par>
     </p:tnLst>
   </p:timing>
   <p:extLst mod="1">
     <p:ext uri="{DCECCB84-F9BA-43D5-87BE-67443E8EF086}">
-      <p15:sldGuideLst xmlns:p15="http://schemas.microsoft.com/office/powerpoint/2012/main">
+      <p15:sldGuideLst xmlns:p15="http://schemas.microsoft.com/office/powerpoint/2012/main" xmlns="">
         <p15:guide id="1" orient="horz" pos="2160">
           <p15:clr>
             <a:srgbClr val="FBAE40"/>
@@ -2372,7 +2372,7 @@
   <p:timing>
     <p:tnLst>
       <p:par>
-        <p:cTn id="1" dur="indefinite" restart="never" nodeType="tmRoot"/>
+        <p:cTn xmlns:p14="http://schemas.microsoft.com/office/powerpoint/2010/main" id="1" dur="indefinite" restart="never" nodeType="tmRoot"/>
       </p:par>
     </p:tnLst>
   </p:timing>
@@ -2531,7 +2531,7 @@
   <p:timing>
     <p:tnLst>
       <p:par>
-        <p:cTn id="1" dur="indefinite" restart="never" nodeType="tmRoot"/>
+        <p:cTn xmlns:p14="http://schemas.microsoft.com/office/powerpoint/2010/main" id="1" dur="indefinite" restart="never" nodeType="tmRoot"/>
       </p:par>
     </p:tnLst>
   </p:timing>
@@ -2771,7 +2771,7 @@
   <p:timing>
     <p:tnLst>
       <p:par>
-        <p:cTn id="1" dur="indefinite" restart="never" nodeType="tmRoot"/>
+        <p:cTn xmlns:p14="http://schemas.microsoft.com/office/powerpoint/2010/main" id="1" dur="indefinite" restart="never" nodeType="tmRoot"/>
       </p:par>
     </p:tnLst>
   </p:timing>
@@ -3163,7 +3163,7 @@
   <p:timing>
     <p:tnLst>
       <p:par>
-        <p:cTn id="1" dur="indefinite" restart="never" nodeType="tmRoot"/>
+        <p:cTn xmlns:p14="http://schemas.microsoft.com/office/powerpoint/2010/main" id="1" dur="indefinite" restart="never" nodeType="tmRoot"/>
       </p:par>
     </p:tnLst>
   </p:timing>
@@ -3223,7 +3223,7 @@
   <p:timing>
     <p:tnLst>
       <p:par>
-        <p:cTn id="1" dur="indefinite" restart="never" nodeType="tmRoot"/>
+        <p:cTn xmlns:p14="http://schemas.microsoft.com/office/powerpoint/2010/main" id="1" dur="indefinite" restart="never" nodeType="tmRoot"/>
       </p:par>
     </p:tnLst>
   </p:timing>
@@ -3260,7 +3260,7 @@
   <p:timing>
     <p:tnLst>
       <p:par>
-        <p:cTn id="1" dur="indefinite" restart="never" nodeType="tmRoot"/>
+        <p:cTn xmlns:p14="http://schemas.microsoft.com/office/powerpoint/2010/main" id="1" dur="indefinite" restart="never" nodeType="tmRoot"/>
       </p:par>
     </p:tnLst>
   </p:timing>
@@ -3471,7 +3471,7 @@
   <p:timing>
     <p:tnLst>
       <p:par>
-        <p:cTn id="1" dur="indefinite" restart="never" nodeType="tmRoot"/>
+        <p:cTn xmlns:p14="http://schemas.microsoft.com/office/powerpoint/2010/main" id="1" dur="indefinite" restart="never" nodeType="tmRoot"/>
       </p:par>
     </p:tnLst>
   </p:timing>
@@ -3555,7 +3555,7 @@
   <p:timing>
     <p:tnLst>
       <p:par>
-        <p:cTn id="1" dur="indefinite" restart="never" nodeType="tmRoot"/>
+        <p:cTn xmlns:p14="http://schemas.microsoft.com/office/powerpoint/2010/main" id="1" dur="indefinite" restart="never" nodeType="tmRoot"/>
       </p:par>
     </p:tnLst>
   </p:timing>
@@ -3924,7 +3924,7 @@
   <p:timing>
     <p:tnLst>
       <p:par>
-        <p:cTn id="1" dur="indefinite" restart="never" nodeType="tmRoot"/>
+        <p:cTn xmlns:p14="http://schemas.microsoft.com/office/powerpoint/2010/main" id="1" dur="indefinite" restart="never" nodeType="tmRoot"/>
       </p:par>
     </p:tnLst>
   </p:timing>
@@ -3995,53 +3995,6 @@
           </a:p>
         </p:txBody>
       </p:sp>
-      <p:sp>
-        <p:nvSpPr>
-          <p:cNvPr id="5" name="TextBox 4"/>
-          <p:cNvSpPr txBox="1"/>
-          <p:nvPr/>
-        </p:nvSpPr>
-        <p:spPr>
-          <a:xfrm>
-            <a:off x="9906000" y="-1"/>
-            <a:ext cx="2286000" cy="2031325"/>
-          </a:xfrm>
-          <a:prstGeom prst="rect">
-            <a:avLst/>
-          </a:prstGeom>
-          <a:solidFill>
-            <a:srgbClr val="FFFF00"/>
-          </a:solidFill>
-          <a:ln>
-            <a:noFill/>
-          </a:ln>
-        </p:spPr>
-        <p:txBody>
-          <a:bodyPr wrap="square" rtlCol="0">
-            <a:spAutoFit/>
-          </a:bodyPr>
-          <a:lstStyle/>
-          <a:p>
-            <a:pPr algn="ctr"/>
-            <a:endParaRPr lang="en-US" dirty="0" smtClean="0"/>
-          </a:p>
-          <a:p>
-            <a:pPr algn="ctr"/>
-            <a:endParaRPr lang="en-US" dirty="0"/>
-          </a:p>
-          <a:p>
-            <a:pPr algn="ctr"/>
-            <a:r>
-              <a:rPr lang="en-US" dirty="0" smtClean="0"/>
-              <a:t>Please leave this area blank to allow for picture in picture recording</a:t>
-            </a:r>
-          </a:p>
-          <a:p>
-            <a:pPr algn="ctr"/>
-            <a:endParaRPr lang="en-US" dirty="0"/>
-          </a:p>
-        </p:txBody>
-      </p:sp>
     </p:spTree>
     <p:extLst>
       <p:ext uri="{BB962C8B-B14F-4D97-AF65-F5344CB8AC3E}">
@@ -4055,7 +4008,7 @@
   <p:timing>
     <p:tnLst>
       <p:par>
-        <p:cTn id="1" dur="indefinite" restart="never" nodeType="tmRoot"/>
+        <p:cTn xmlns:p14="http://schemas.microsoft.com/office/powerpoint/2010/main" id="1" dur="indefinite" restart="never" nodeType="tmRoot"/>
       </p:par>
     </p:tnLst>
   </p:timing>
@@ -4099,53 +4052,6 @@
               <a:rPr lang="en-US" dirty="0" smtClean="0"/>
               <a:t>Bits of Azure</a:t>
             </a:r>
-            <a:endParaRPr lang="en-US" dirty="0"/>
-          </a:p>
-        </p:txBody>
-      </p:sp>
-      <p:sp>
-        <p:nvSpPr>
-          <p:cNvPr id="5" name="TextBox 4"/>
-          <p:cNvSpPr txBox="1"/>
-          <p:nvPr/>
-        </p:nvSpPr>
-        <p:spPr>
-          <a:xfrm>
-            <a:off x="9906000" y="-1"/>
-            <a:ext cx="2286000" cy="2031325"/>
-          </a:xfrm>
-          <a:prstGeom prst="rect">
-            <a:avLst/>
-          </a:prstGeom>
-          <a:solidFill>
-            <a:srgbClr val="FFFF00"/>
-          </a:solidFill>
-          <a:ln>
-            <a:noFill/>
-          </a:ln>
-        </p:spPr>
-        <p:txBody>
-          <a:bodyPr wrap="square" rtlCol="0">
-            <a:spAutoFit/>
-          </a:bodyPr>
-          <a:lstStyle/>
-          <a:p>
-            <a:pPr algn="ctr"/>
-            <a:endParaRPr lang="en-US" dirty="0" smtClean="0"/>
-          </a:p>
-          <a:p>
-            <a:pPr algn="ctr"/>
-            <a:endParaRPr lang="en-US" dirty="0"/>
-          </a:p>
-          <a:p>
-            <a:pPr algn="ctr"/>
-            <a:r>
-              <a:rPr lang="en-US" dirty="0" smtClean="0"/>
-              <a:t>Please leave this area blank to allow for picture in picture recording</a:t>
-            </a:r>
-          </a:p>
-          <a:p>
-            <a:pPr algn="ctr"/>
             <a:endParaRPr lang="en-US" dirty="0"/>
           </a:p>
         </p:txBody>
@@ -4607,7 +4513,7 @@
   <p:timing>
     <p:tnLst>
       <p:par>
-        <p:cTn id="1" dur="indefinite" restart="never" nodeType="tmRoot"/>
+        <p:cTn xmlns:p14="http://schemas.microsoft.com/office/powerpoint/2010/main" id="1" dur="indefinite" restart="never" nodeType="tmRoot"/>
       </p:par>
     </p:tnLst>
   </p:timing>
@@ -4647,53 +4553,6 @@
           <a:lstStyle/>
           <a:p>
             <a:pPr lvl="0"/>
-            <a:endParaRPr lang="en-US" dirty="0"/>
-          </a:p>
-        </p:txBody>
-      </p:sp>
-      <p:sp>
-        <p:nvSpPr>
-          <p:cNvPr id="5" name="TextBox 4"/>
-          <p:cNvSpPr txBox="1"/>
-          <p:nvPr/>
-        </p:nvSpPr>
-        <p:spPr>
-          <a:xfrm>
-            <a:off x="9906000" y="-1"/>
-            <a:ext cx="2286000" cy="2031325"/>
-          </a:xfrm>
-          <a:prstGeom prst="rect">
-            <a:avLst/>
-          </a:prstGeom>
-          <a:solidFill>
-            <a:srgbClr val="FFFF00"/>
-          </a:solidFill>
-          <a:ln>
-            <a:noFill/>
-          </a:ln>
-        </p:spPr>
-        <p:txBody>
-          <a:bodyPr wrap="square" rtlCol="0">
-            <a:spAutoFit/>
-          </a:bodyPr>
-          <a:lstStyle/>
-          <a:p>
-            <a:pPr algn="ctr"/>
-            <a:endParaRPr lang="en-US" dirty="0" smtClean="0"/>
-          </a:p>
-          <a:p>
-            <a:pPr algn="ctr"/>
-            <a:endParaRPr lang="en-US" dirty="0"/>
-          </a:p>
-          <a:p>
-            <a:pPr algn="ctr"/>
-            <a:r>
-              <a:rPr lang="en-US" dirty="0" smtClean="0"/>
-              <a:t>Please leave this area blank to allow for picture in picture recording</a:t>
-            </a:r>
-          </a:p>
-          <a:p>
-            <a:pPr algn="ctr"/>
             <a:endParaRPr lang="en-US" dirty="0"/>
           </a:p>
         </p:txBody>
@@ -4741,7 +4600,7 @@
   <p:timing>
     <p:tnLst>
       <p:par>
-        <p:cTn id="1" dur="indefinite" restart="never" nodeType="tmRoot"/>
+        <p:cTn xmlns:p14="http://schemas.microsoft.com/office/powerpoint/2010/main" id="1" dur="indefinite" restart="never" nodeType="tmRoot"/>
       </p:par>
     </p:tnLst>
   </p:timing>
@@ -4821,53 +4680,6 @@
           </a:p>
         </p:txBody>
       </p:sp>
-      <p:sp>
-        <p:nvSpPr>
-          <p:cNvPr id="4" name="TextBox 3"/>
-          <p:cNvSpPr txBox="1"/>
-          <p:nvPr/>
-        </p:nvSpPr>
-        <p:spPr>
-          <a:xfrm>
-            <a:off x="9906000" y="-1"/>
-            <a:ext cx="2286000" cy="2031325"/>
-          </a:xfrm>
-          <a:prstGeom prst="rect">
-            <a:avLst/>
-          </a:prstGeom>
-          <a:solidFill>
-            <a:srgbClr val="FFFF00"/>
-          </a:solidFill>
-          <a:ln>
-            <a:noFill/>
-          </a:ln>
-        </p:spPr>
-        <p:txBody>
-          <a:bodyPr wrap="square" rtlCol="0">
-            <a:spAutoFit/>
-          </a:bodyPr>
-          <a:lstStyle/>
-          <a:p>
-            <a:pPr algn="ctr"/>
-            <a:endParaRPr lang="en-US" dirty="0" smtClean="0"/>
-          </a:p>
-          <a:p>
-            <a:pPr algn="ctr"/>
-            <a:endParaRPr lang="en-US" dirty="0"/>
-          </a:p>
-          <a:p>
-            <a:pPr algn="ctr"/>
-            <a:r>
-              <a:rPr lang="en-US" dirty="0" smtClean="0"/>
-              <a:t>Please leave this area blank to allow for picture in picture recording</a:t>
-            </a:r>
-          </a:p>
-          <a:p>
-            <a:pPr algn="ctr"/>
-            <a:endParaRPr lang="en-US" dirty="0"/>
-          </a:p>
-        </p:txBody>
-      </p:sp>
     </p:spTree>
     <p:extLst>
       <p:ext uri="{BB962C8B-B14F-4D97-AF65-F5344CB8AC3E}">
@@ -4881,7 +4693,7 @@
   <p:timing>
     <p:tnLst>
       <p:par>
-        <p:cTn id="1" dur="indefinite" restart="never" nodeType="tmRoot"/>
+        <p:cTn xmlns:p14="http://schemas.microsoft.com/office/powerpoint/2010/main" id="1" dur="indefinite" restart="never" nodeType="tmRoot"/>
       </p:par>
     </p:tnLst>
   </p:timing>
@@ -5254,7 +5066,7 @@
     </a:clrScheme>
     <a:fontScheme name="Office">
       <a:majorFont>
-        <a:latin typeface="Calibri Light" panose="020F0302020204030204"/>
+        <a:latin typeface="Calibri Light"/>
         <a:ea typeface=""/>
         <a:cs typeface=""/>
         <a:font script="Jpan" typeface="ＭＳ Ｐゴシック"/>
@@ -5289,7 +5101,7 @@
         <a:font script="Geor" typeface="Sylfaen"/>
       </a:majorFont>
       <a:minorFont>
-        <a:latin typeface="Calibri" panose="020F0502020204030204"/>
+        <a:latin typeface="Calibri"/>
         <a:ea typeface=""/>
         <a:cs typeface=""/>
         <a:font script="Jpan" typeface="ＭＳ Ｐゴシック"/>
@@ -5466,7 +5278,7 @@
   <a:extraClrSchemeLst/>
   <a:extLst>
     <a:ext uri="{05A4C25C-085E-4340-85A3-A5531E510DB2}">
-      <thm15:themeFamily xmlns:thm15="http://schemas.microsoft.com/office/thememl/2012/main" name="Office Theme" id="{62F939B6-93AF-4DB8-9C6B-D6C7DFDC589F}" vid="{4A3C46E8-61CC-4603-A589-7422A47A8E4A}"/>
+      <thm15:themeFamily xmlns:thm15="http://schemas.microsoft.com/office/thememl/2012/main" xmlns="" name="Office Theme" id="{62F939B6-93AF-4DB8-9C6B-D6C7DFDC589F}" vid="{4A3C46E8-61CC-4603-A589-7422A47A8E4A}"/>
     </a:ext>
   </a:extLst>
 </a:theme>
@@ -5515,7 +5327,7 @@
     </a:clrScheme>
     <a:fontScheme name="Office">
       <a:majorFont>
-        <a:latin typeface="Calibri Light" panose="020F0302020204030204"/>
+        <a:latin typeface="Calibri Light"/>
         <a:ea typeface=""/>
         <a:cs typeface=""/>
         <a:font script="Jpan" typeface="ＭＳ Ｐゴシック"/>
@@ -5550,7 +5362,7 @@
         <a:font script="Geor" typeface="Sylfaen"/>
       </a:majorFont>
       <a:minorFont>
-        <a:latin typeface="Calibri" panose="020F0502020204030204"/>
+        <a:latin typeface="Calibri"/>
         <a:ea typeface=""/>
         <a:cs typeface=""/>
         <a:font script="Jpan" typeface="ＭＳ Ｐゴシック"/>
@@ -5727,7 +5539,7 @@
   <a:extraClrSchemeLst/>
   <a:extLst>
     <a:ext uri="{05A4C25C-085E-4340-85A3-A5531E510DB2}">
-      <thm15:themeFamily xmlns:thm15="http://schemas.microsoft.com/office/thememl/2012/main" name="Office Theme" id="{62F939B6-93AF-4DB8-9C6B-D6C7DFDC589F}" vid="{4A3C46E8-61CC-4603-A589-7422A47A8E4A}"/>
+      <thm15:themeFamily xmlns:thm15="http://schemas.microsoft.com/office/thememl/2012/main" xmlns="" name="Office Theme" id="{62F939B6-93AF-4DB8-9C6B-D6C7DFDC589F}" vid="{4A3C46E8-61CC-4603-A589-7422A47A8E4A}"/>
     </a:ext>
   </a:extLst>
 </a:theme>

--- a/Presentation Materials/MVA-ApplicationsOnAzure-08.pptx
+++ b/Presentation Materials/MVA-ApplicationsOnAzure-08.pptx
@@ -12,7 +12,7 @@
   </p:handoutMasterIdLst>
   <p:sldIdLst>
     <p:sldId id="277" r:id="rId5"/>
-    <p:sldId id="278" r:id="rId6"/>
+    <p:sldId id="286" r:id="rId6"/>
     <p:sldId id="283" r:id="rId7"/>
     <p:sldId id="285" r:id="rId8"/>
     <p:sldId id="282" r:id="rId9"/>
@@ -117,10 +117,21 @@
   </p:defaultTextStyle>
   <p:extLst>
     <p:ext uri="{EFAFB233-063F-42B5-8137-9DF3F51BA10A}">
-      <p15:sldGuideLst xmlns:p15="http://schemas.microsoft.com/office/powerpoint/2012/main" xmlns=""/>
+      <p15:sldGuideLst xmlns:p15="http://schemas.microsoft.com/office/powerpoint/2012/main">
+        <p15:guide id="1" orient="horz" pos="2160">
+          <p15:clr>
+            <a:srgbClr val="A4A3A4"/>
+          </p15:clr>
+        </p15:guide>
+        <p15:guide id="2" pos="3840">
+          <p15:clr>
+            <a:srgbClr val="A4A3A4"/>
+          </p15:clr>
+        </p15:guide>
+      </p15:sldGuideLst>
     </p:ext>
     <p:ext uri="{2D200454-40CA-4A62-9FC3-DE9A4176ACB9}">
-      <p15:notesGuideLst xmlns:p15="http://schemas.microsoft.com/office/powerpoint/2012/main" xmlns=""/>
+      <p15:notesGuideLst xmlns:p15="http://schemas.microsoft.com/office/powerpoint/2012/main"/>
     </p:ext>
   </p:extLst>
 </p:presentation>
@@ -208,7 +219,7 @@
           <a:p>
             <a:fld id="{312E7B4A-039C-48A2-9B2C-AF16AA3873D8}" type="datetimeFigureOut">
               <a:rPr lang="en-US" smtClean="0"/>
-              <a:t>2015-11-08</a:t>
+              <a:t>11/8/2015</a:t>
             </a:fld>
             <a:endParaRPr lang="en-US"/>
           </a:p>
@@ -373,7 +384,7 @@
           <a:p>
             <a:fld id="{DA005A0C-54D9-45AA-87D4-C551D08DFCE1}" type="datetimeFigureOut">
               <a:rPr lang="en-US" smtClean="0"/>
-              <a:t>2015-11-08</a:t>
+              <a:t>11/8/2015</a:t>
             </a:fld>
             <a:endParaRPr lang="en-US"/>
           </a:p>
@@ -772,17 +783,10 @@
         </p:nvSpPr>
         <p:spPr/>
         <p:txBody>
-          <a:bodyPr>
-            <a:noAutofit/>
-          </a:bodyPr>
+          <a:bodyPr/>
           <a:lstStyle/>
           <a:p>
-            <a:endParaRPr lang="en-GB" dirty="0">
-              <a:solidFill>
-                <a:schemeClr val="tx2"/>
-              </a:solidFill>
-              <a:latin typeface="Segoe" pitchFamily="34" charset="0"/>
-            </a:endParaRPr>
+            <a:endParaRPr lang="en-US" dirty="0"/>
           </a:p>
         </p:txBody>
       </p:sp>
@@ -813,7 +817,7 @@
     </p:spTree>
     <p:extLst>
       <p:ext uri="{BB962C8B-B14F-4D97-AF65-F5344CB8AC3E}">
-        <p14:creationId xmlns:p14="http://schemas.microsoft.com/office/powerpoint/2010/main" val="1542757562"/>
+        <p14:creationId xmlns:p14="http://schemas.microsoft.com/office/powerpoint/2010/main" val="1000410532"/>
       </p:ext>
     </p:extLst>
   </p:cSld>
@@ -1479,13 +1483,13 @@
   <p:timing>
     <p:tnLst>
       <p:par>
-        <p:cTn xmlns:p14="http://schemas.microsoft.com/office/powerpoint/2010/main" id="1" dur="indefinite" restart="never" nodeType="tmRoot"/>
+        <p:cTn id="1" dur="indefinite" restart="never" nodeType="tmRoot"/>
       </p:par>
     </p:tnLst>
   </p:timing>
   <p:extLst mod="1">
     <p:ext uri="{DCECCB84-F9BA-43D5-87BE-67443E8EF086}">
-      <p15:sldGuideLst xmlns:p15="http://schemas.microsoft.com/office/powerpoint/2012/main" xmlns="">
+      <p15:sldGuideLst xmlns:p15="http://schemas.microsoft.com/office/powerpoint/2012/main">
         <p15:guide id="1" orient="horz" pos="3792">
           <p15:clr>
             <a:srgbClr val="FBAE40"/>
@@ -2138,13 +2142,13 @@
   <p:timing>
     <p:tnLst>
       <p:par>
-        <p:cTn xmlns:p14="http://schemas.microsoft.com/office/powerpoint/2010/main" id="1" dur="indefinite" restart="never" nodeType="tmRoot"/>
+        <p:cTn id="1" dur="indefinite" restart="never" nodeType="tmRoot"/>
       </p:par>
     </p:tnLst>
   </p:timing>
   <p:extLst mod="1">
     <p:ext uri="{DCECCB84-F9BA-43D5-87BE-67443E8EF086}">
-      <p15:sldGuideLst xmlns:p15="http://schemas.microsoft.com/office/powerpoint/2012/main" xmlns="">
+      <p15:sldGuideLst xmlns:p15="http://schemas.microsoft.com/office/powerpoint/2012/main">
         <p15:guide id="1" orient="horz" pos="2160">
           <p15:clr>
             <a:srgbClr val="FBAE40"/>
@@ -2372,7 +2376,7 @@
   <p:timing>
     <p:tnLst>
       <p:par>
-        <p:cTn xmlns:p14="http://schemas.microsoft.com/office/powerpoint/2010/main" id="1" dur="indefinite" restart="never" nodeType="tmRoot"/>
+        <p:cTn id="1" dur="indefinite" restart="never" nodeType="tmRoot"/>
       </p:par>
     </p:tnLst>
   </p:timing>
@@ -2531,7 +2535,7 @@
   <p:timing>
     <p:tnLst>
       <p:par>
-        <p:cTn xmlns:p14="http://schemas.microsoft.com/office/powerpoint/2010/main" id="1" dur="indefinite" restart="never" nodeType="tmRoot"/>
+        <p:cTn id="1" dur="indefinite" restart="never" nodeType="tmRoot"/>
       </p:par>
     </p:tnLst>
   </p:timing>
@@ -2771,7 +2775,7 @@
   <p:timing>
     <p:tnLst>
       <p:par>
-        <p:cTn xmlns:p14="http://schemas.microsoft.com/office/powerpoint/2010/main" id="1" dur="indefinite" restart="never" nodeType="tmRoot"/>
+        <p:cTn id="1" dur="indefinite" restart="never" nodeType="tmRoot"/>
       </p:par>
     </p:tnLst>
   </p:timing>
@@ -3163,7 +3167,7 @@
   <p:timing>
     <p:tnLst>
       <p:par>
-        <p:cTn xmlns:p14="http://schemas.microsoft.com/office/powerpoint/2010/main" id="1" dur="indefinite" restart="never" nodeType="tmRoot"/>
+        <p:cTn id="1" dur="indefinite" restart="never" nodeType="tmRoot"/>
       </p:par>
     </p:tnLst>
   </p:timing>
@@ -3223,7 +3227,7 @@
   <p:timing>
     <p:tnLst>
       <p:par>
-        <p:cTn xmlns:p14="http://schemas.microsoft.com/office/powerpoint/2010/main" id="1" dur="indefinite" restart="never" nodeType="tmRoot"/>
+        <p:cTn id="1" dur="indefinite" restart="never" nodeType="tmRoot"/>
       </p:par>
     </p:tnLst>
   </p:timing>
@@ -3260,7 +3264,7 @@
   <p:timing>
     <p:tnLst>
       <p:par>
-        <p:cTn xmlns:p14="http://schemas.microsoft.com/office/powerpoint/2010/main" id="1" dur="indefinite" restart="never" nodeType="tmRoot"/>
+        <p:cTn id="1" dur="indefinite" restart="never" nodeType="tmRoot"/>
       </p:par>
     </p:tnLst>
   </p:timing>
@@ -3471,7 +3475,7 @@
   <p:timing>
     <p:tnLst>
       <p:par>
-        <p:cTn xmlns:p14="http://schemas.microsoft.com/office/powerpoint/2010/main" id="1" dur="indefinite" restart="never" nodeType="tmRoot"/>
+        <p:cTn id="1" dur="indefinite" restart="never" nodeType="tmRoot"/>
       </p:par>
     </p:tnLst>
   </p:timing>
@@ -3555,7 +3559,7 @@
   <p:timing>
     <p:tnLst>
       <p:par>
-        <p:cTn xmlns:p14="http://schemas.microsoft.com/office/powerpoint/2010/main" id="1" dur="indefinite" restart="never" nodeType="tmRoot"/>
+        <p:cTn id="1" dur="indefinite" restart="never" nodeType="tmRoot"/>
       </p:par>
     </p:tnLst>
   </p:timing>
@@ -3924,7 +3928,7 @@
   <p:timing>
     <p:tnLst>
       <p:par>
-        <p:cTn xmlns:p14="http://schemas.microsoft.com/office/powerpoint/2010/main" id="1" dur="indefinite" restart="never" nodeType="tmRoot"/>
+        <p:cTn id="1" dur="indefinite" restart="never" nodeType="tmRoot"/>
       </p:par>
     </p:tnLst>
   </p:timing>
@@ -3950,30 +3954,6 @@
       </p:grpSpPr>
       <p:sp>
         <p:nvSpPr>
-          <p:cNvPr id="7" name="Content Placeholder 6"/>
-          <p:cNvSpPr>
-            <a:spLocks noGrp="1"/>
-          </p:cNvSpPr>
-          <p:nvPr>
-            <p:ph sz="quarter" idx="10"/>
-          </p:nvPr>
-        </p:nvSpPr>
-        <p:spPr/>
-        <p:txBody>
-          <a:bodyPr>
-            <a:normAutofit/>
-          </a:bodyPr>
-          <a:lstStyle/>
-          <a:p>
-            <a:r>
-              <a:rPr lang="en-GB" dirty="0" smtClean="0"/>
-              <a:t>What we have done</a:t>
-            </a:r>
-          </a:p>
-        </p:txBody>
-      </p:sp>
-      <p:sp>
-        <p:nvSpPr>
           <p:cNvPr id="2" name="Title 1"/>
           <p:cNvSpPr>
             <a:spLocks noGrp="1"/>
@@ -3984,31 +3964,364 @@
         </p:nvSpPr>
         <p:spPr/>
         <p:txBody>
-          <a:bodyPr/>
+          <a:bodyPr>
+            <a:normAutofit/>
+          </a:bodyPr>
           <a:lstStyle/>
           <a:p>
-            <a:r>
-              <a:rPr lang="en-US" smtClean="0"/>
-              <a:t>Module Overview</a:t>
+            <a:pPr lvl="0"/>
+            <a:r>
+              <a:rPr lang="en-US" dirty="0"/>
+              <a:t>Module </a:t>
+            </a:r>
+            <a:r>
+              <a:rPr lang="en-US" dirty="0" smtClean="0"/>
+              <a:t>Review</a:t>
             </a:r>
             <a:endParaRPr lang="en-US" dirty="0"/>
           </a:p>
         </p:txBody>
       </p:sp>
+      <p:graphicFrame>
+        <p:nvGraphicFramePr>
+          <p:cNvPr id="4" name="Content Placeholder 3"/>
+          <p:cNvGraphicFramePr>
+            <a:graphicFrameLocks noGrp="1"/>
+          </p:cNvGraphicFramePr>
+          <p:nvPr>
+            <p:ph sz="quarter" idx="10"/>
+            <p:extLst/>
+          </p:nvPr>
+        </p:nvGraphicFramePr>
+        <p:xfrm>
+          <a:off x="379413" y="1417636"/>
+          <a:ext cx="11525250" cy="3838160"/>
+        </p:xfrm>
+        <a:graphic>
+          <a:graphicData uri="http://schemas.openxmlformats.org/drawingml/2006/table">
+            <a:tbl>
+              <a:tblPr firstRow="1" bandRow="1">
+                <a:tableStyleId>{5C22544A-7EE6-4342-B048-85BDC9FD1C3A}</a:tableStyleId>
+              </a:tblPr>
+              <a:tblGrid>
+                <a:gridCol w="5762625">
+                  <a:extLst>
+                    <a:ext uri="{9D8B030D-6E8A-4147-A177-3AD203B41FA5}">
+                      <a16:colId xmlns:a16="http://schemas.microsoft.com/office/drawing/2014/main" xmlns="" val="1632794655"/>
+                    </a:ext>
+                  </a:extLst>
+                </a:gridCol>
+                <a:gridCol w="5762625">
+                  <a:extLst>
+                    <a:ext uri="{9D8B030D-6E8A-4147-A177-3AD203B41FA5}">
+                      <a16:colId xmlns:a16="http://schemas.microsoft.com/office/drawing/2014/main" xmlns="" val="2011313899"/>
+                    </a:ext>
+                  </a:extLst>
+                </a:gridCol>
+              </a:tblGrid>
+              <a:tr h="767632">
+                <a:tc gridSpan="2">
+                  <a:txBody>
+                    <a:bodyPr/>
+                    <a:lstStyle/>
+                    <a:p>
+                      <a:r>
+                        <a:rPr lang="en-US" sz="3600" dirty="0" smtClean="0">
+                          <a:latin typeface="Segoe UI Light" panose="020B0502040204020203" pitchFamily="34" charset="0"/>
+                          <a:cs typeface="Segoe UI Light" panose="020B0502040204020203" pitchFamily="34" charset="0"/>
+                        </a:rPr>
+                        <a:t>Applications on Azure: Putting All the Pieces Together</a:t>
+                      </a:r>
+                      <a:endParaRPr lang="en-US" sz="3600" dirty="0">
+                        <a:latin typeface="Segoe UI Light" panose="020B0502040204020203" pitchFamily="34" charset="0"/>
+                        <a:cs typeface="Segoe UI Light" panose="020B0502040204020203" pitchFamily="34" charset="0"/>
+                      </a:endParaRPr>
+                    </a:p>
+                  </a:txBody>
+                  <a:tcPr anchor="ctr"/>
+                </a:tc>
+                <a:tc hMerge="1">
+                  <a:txBody>
+                    <a:bodyPr/>
+                    <a:lstStyle/>
+                    <a:p>
+                      <a:endParaRPr lang="en-US" dirty="0"/>
+                    </a:p>
+                  </a:txBody>
+                  <a:tcPr/>
+                </a:tc>
+                <a:extLst>
+                  <a:ext uri="{0D108BD9-81ED-4DB2-BD59-A6C34878D82A}">
+                    <a16:rowId xmlns:a16="http://schemas.microsoft.com/office/drawing/2014/main" xmlns="" val="1789177411"/>
+                  </a:ext>
+                </a:extLst>
+              </a:tr>
+              <a:tr h="767632">
+                <a:tc>
+                  <a:txBody>
+                    <a:bodyPr/>
+                    <a:lstStyle/>
+                    <a:p>
+                      <a:r>
+                        <a:rPr lang="en-US" sz="2400" dirty="0" smtClean="0">
+                          <a:latin typeface="Segoe UI Light" panose="020B0502040204020203" pitchFamily="34" charset="0"/>
+                          <a:cs typeface="Segoe UI Light" panose="020B0502040204020203" pitchFamily="34" charset="0"/>
+                        </a:rPr>
+                        <a:t>01 | Intro</a:t>
+                      </a:r>
+                      <a:endParaRPr lang="en-US" sz="2400" dirty="0">
+                        <a:latin typeface="Segoe UI Light" panose="020B0502040204020203" pitchFamily="34" charset="0"/>
+                        <a:cs typeface="Segoe UI Light" panose="020B0502040204020203" pitchFamily="34" charset="0"/>
+                      </a:endParaRPr>
+                    </a:p>
+                  </a:txBody>
+                  <a:tcPr anchor="ctr"/>
+                </a:tc>
+                <a:tc>
+                  <a:txBody>
+                    <a:bodyPr/>
+                    <a:lstStyle/>
+                    <a:p>
+                      <a:r>
+                        <a:rPr lang="en-US" sz="2400" dirty="0" smtClean="0">
+                          <a:latin typeface="Segoe UI Light" panose="020B0502040204020203" pitchFamily="34" charset="0"/>
+                          <a:cs typeface="Segoe UI Light" panose="020B0502040204020203" pitchFamily="34" charset="0"/>
+                        </a:rPr>
+                        <a:t>05 | Storing Data and Objects in Azure</a:t>
+                      </a:r>
+                      <a:endParaRPr lang="en-US" sz="2400" dirty="0">
+                        <a:latin typeface="Segoe UI Light" panose="020B0502040204020203" pitchFamily="34" charset="0"/>
+                        <a:cs typeface="Segoe UI Light" panose="020B0502040204020203" pitchFamily="34" charset="0"/>
+                      </a:endParaRPr>
+                    </a:p>
+                  </a:txBody>
+                  <a:tcPr anchor="ctr"/>
+                </a:tc>
+                <a:extLst>
+                  <a:ext uri="{0D108BD9-81ED-4DB2-BD59-A6C34878D82A}">
+                    <a16:rowId xmlns:a16="http://schemas.microsoft.com/office/drawing/2014/main" xmlns="" val="3842815335"/>
+                  </a:ext>
+                </a:extLst>
+              </a:tr>
+              <a:tr h="767632">
+                <a:tc>
+                  <a:txBody>
+                    <a:bodyPr/>
+                    <a:lstStyle/>
+                    <a:p>
+                      <a:r>
+                        <a:rPr lang="en-US" sz="2400" dirty="0" smtClean="0">
+                          <a:latin typeface="Segoe UI Light" panose="020B0502040204020203" pitchFamily="34" charset="0"/>
+                          <a:cs typeface="Segoe UI Light" panose="020B0502040204020203" pitchFamily="34" charset="0"/>
+                        </a:rPr>
+                        <a:t>02 | Exploring Application Architecture</a:t>
+                      </a:r>
+                      <a:endParaRPr lang="en-US" sz="2400" dirty="0">
+                        <a:latin typeface="Segoe UI Light" panose="020B0502040204020203" pitchFamily="34" charset="0"/>
+                        <a:cs typeface="Segoe UI Light" panose="020B0502040204020203" pitchFamily="34" charset="0"/>
+                      </a:endParaRPr>
+                    </a:p>
+                  </a:txBody>
+                  <a:tcPr anchor="ctr"/>
+                </a:tc>
+                <a:tc>
+                  <a:txBody>
+                    <a:bodyPr/>
+                    <a:lstStyle/>
+                    <a:p>
+                      <a:r>
+                        <a:rPr lang="en-US" sz="2400" dirty="0" smtClean="0">
+                          <a:latin typeface="Segoe UI Light" panose="020B0502040204020203" pitchFamily="34" charset="0"/>
+                          <a:cs typeface="Segoe UI Light" panose="020B0502040204020203" pitchFamily="34" charset="0"/>
+                        </a:rPr>
+                        <a:t>06 | </a:t>
+                      </a:r>
+                      <a:r>
+                        <a:rPr lang="en-US" sz="2400" dirty="0" err="1" smtClean="0">
+                          <a:latin typeface="Segoe UI Light" panose="020B0502040204020203" pitchFamily="34" charset="0"/>
+                          <a:cs typeface="Segoe UI Light" panose="020B0502040204020203" pitchFamily="34" charset="0"/>
+                        </a:rPr>
+                        <a:t>ElasticSearch</a:t>
+                      </a:r>
+                      <a:r>
+                        <a:rPr lang="en-US" sz="2400" dirty="0" smtClean="0">
+                          <a:latin typeface="Segoe UI Light" panose="020B0502040204020203" pitchFamily="34" charset="0"/>
+                          <a:cs typeface="Segoe UI Light" panose="020B0502040204020203" pitchFamily="34" charset="0"/>
+                        </a:rPr>
+                        <a:t>,</a:t>
+                      </a:r>
+                      <a:r>
+                        <a:rPr lang="en-US" sz="2400" baseline="0" dirty="0" smtClean="0">
+                          <a:latin typeface="Segoe UI Light" panose="020B0502040204020203" pitchFamily="34" charset="0"/>
+                          <a:cs typeface="Segoe UI Light" panose="020B0502040204020203" pitchFamily="34" charset="0"/>
+                        </a:rPr>
+                        <a:t> </a:t>
+                      </a:r>
+                      <a:r>
+                        <a:rPr lang="en-US" sz="2400" dirty="0" smtClean="0">
+                          <a:latin typeface="Segoe UI Light" panose="020B0502040204020203" pitchFamily="34" charset="0"/>
+                          <a:cs typeface="Segoe UI Light" panose="020B0502040204020203" pitchFamily="34" charset="0"/>
+                        </a:rPr>
+                        <a:t>Docker and YOU</a:t>
+                      </a:r>
+                      <a:endParaRPr lang="en-US" sz="2400" dirty="0">
+                        <a:latin typeface="Segoe UI Light" panose="020B0502040204020203" pitchFamily="34" charset="0"/>
+                        <a:cs typeface="Segoe UI Light" panose="020B0502040204020203" pitchFamily="34" charset="0"/>
+                      </a:endParaRPr>
+                    </a:p>
+                  </a:txBody>
+                  <a:tcPr anchor="ctr"/>
+                </a:tc>
+                <a:extLst>
+                  <a:ext uri="{0D108BD9-81ED-4DB2-BD59-A6C34878D82A}">
+                    <a16:rowId xmlns:a16="http://schemas.microsoft.com/office/drawing/2014/main" xmlns="" val="321066646"/>
+                  </a:ext>
+                </a:extLst>
+              </a:tr>
+              <a:tr h="767632">
+                <a:tc>
+                  <a:txBody>
+                    <a:bodyPr/>
+                    <a:lstStyle/>
+                    <a:p>
+                      <a:pPr marL="0" marR="0" indent="0" algn="l" defTabSz="914088" rtl="0" eaLnBrk="1" fontAlgn="auto" latinLnBrk="0" hangingPunct="1">
+                        <a:lnSpc>
+                          <a:spcPct val="100000"/>
+                        </a:lnSpc>
+                        <a:spcBef>
+                          <a:spcPts val="0"/>
+                        </a:spcBef>
+                        <a:spcAft>
+                          <a:spcPts val="0"/>
+                        </a:spcAft>
+                        <a:buClrTx/>
+                        <a:buSzTx/>
+                        <a:buFontTx/>
+                        <a:buNone/>
+                        <a:tabLst/>
+                        <a:defRPr/>
+                      </a:pPr>
+                      <a:r>
+                        <a:rPr lang="en-US" sz="2400" dirty="0" smtClean="0">
+                          <a:latin typeface="Segoe UI Light" panose="020B0502040204020203" pitchFamily="34" charset="0"/>
+                          <a:cs typeface="Segoe UI Light" panose="020B0502040204020203" pitchFamily="34" charset="0"/>
+                        </a:rPr>
+                        <a:t>03</a:t>
+                      </a:r>
+                      <a:r>
+                        <a:rPr lang="en-US" sz="2400" baseline="0" dirty="0" smtClean="0">
+                          <a:latin typeface="Segoe UI Light" panose="020B0502040204020203" pitchFamily="34" charset="0"/>
+                          <a:cs typeface="Segoe UI Light" panose="020B0502040204020203" pitchFamily="34" charset="0"/>
+                        </a:rPr>
+                        <a:t> | Working with Azure DNS Services</a:t>
+                      </a:r>
+                      <a:endParaRPr lang="en-US" sz="2400" dirty="0" smtClean="0">
+                        <a:latin typeface="Segoe UI Light" panose="020B0502040204020203" pitchFamily="34" charset="0"/>
+                        <a:cs typeface="Segoe UI Light" panose="020B0502040204020203" pitchFamily="34" charset="0"/>
+                      </a:endParaRPr>
+                    </a:p>
+                  </a:txBody>
+                  <a:tcPr anchor="ctr"/>
+                </a:tc>
+                <a:tc>
+                  <a:txBody>
+                    <a:bodyPr/>
+                    <a:lstStyle/>
+                    <a:p>
+                      <a:r>
+                        <a:rPr lang="en-US" sz="2400" dirty="0" smtClean="0">
+                          <a:latin typeface="Segoe UI Light" panose="020B0502040204020203" pitchFamily="34" charset="0"/>
+                          <a:cs typeface="Segoe UI Light" panose="020B0502040204020203" pitchFamily="34" charset="0"/>
+                        </a:rPr>
+                        <a:t>07 | Scaling Your Application Under Load</a:t>
+                      </a:r>
+                      <a:endParaRPr lang="en-US" sz="2400" dirty="0">
+                        <a:latin typeface="Segoe UI Light" panose="020B0502040204020203" pitchFamily="34" charset="0"/>
+                        <a:cs typeface="Segoe UI Light" panose="020B0502040204020203" pitchFamily="34" charset="0"/>
+                      </a:endParaRPr>
+                    </a:p>
+                  </a:txBody>
+                  <a:tcPr anchor="ctr"/>
+                </a:tc>
+                <a:extLst>
+                  <a:ext uri="{0D108BD9-81ED-4DB2-BD59-A6C34878D82A}">
+                    <a16:rowId xmlns:a16="http://schemas.microsoft.com/office/drawing/2014/main" xmlns="" val="3812060533"/>
+                  </a:ext>
+                </a:extLst>
+              </a:tr>
+              <a:tr h="767632">
+                <a:tc>
+                  <a:txBody>
+                    <a:bodyPr/>
+                    <a:lstStyle/>
+                    <a:p>
+                      <a:r>
+                        <a:rPr lang="en-US" sz="2400" dirty="0" smtClean="0">
+                          <a:latin typeface="Segoe UI Light" panose="020B0502040204020203" pitchFamily="34" charset="0"/>
+                          <a:cs typeface="Segoe UI Light" panose="020B0502040204020203" pitchFamily="34" charset="0"/>
+                        </a:rPr>
+                        <a:t>04 | Executing Large Tasks in the Cloud</a:t>
+                      </a:r>
+                      <a:endParaRPr lang="en-US" sz="2400" dirty="0">
+                        <a:latin typeface="Segoe UI Light" panose="020B0502040204020203" pitchFamily="34" charset="0"/>
+                        <a:cs typeface="Segoe UI Light" panose="020B0502040204020203" pitchFamily="34" charset="0"/>
+                      </a:endParaRPr>
+                    </a:p>
+                  </a:txBody>
+                  <a:tcPr anchor="ctr"/>
+                </a:tc>
+                <a:tc>
+                  <a:txBody>
+                    <a:bodyPr/>
+                    <a:lstStyle/>
+                    <a:p>
+                      <a:r>
+                        <a:rPr lang="en-US" sz="2400" dirty="0" smtClean="0">
+                          <a:latin typeface="Segoe UI Light" panose="020B0502040204020203" pitchFamily="34" charset="0"/>
+                          <a:cs typeface="Segoe UI Light" panose="020B0502040204020203" pitchFamily="34" charset="0"/>
+                        </a:rPr>
+                        <a:t>08 | Rewind</a:t>
+                      </a:r>
+                      <a:endParaRPr lang="en-US" sz="2400" dirty="0">
+                        <a:latin typeface="Segoe UI Light" panose="020B0502040204020203" pitchFamily="34" charset="0"/>
+                        <a:cs typeface="Segoe UI Light" panose="020B0502040204020203" pitchFamily="34" charset="0"/>
+                      </a:endParaRPr>
+                    </a:p>
+                  </a:txBody>
+                  <a:tcPr anchor="ctr"/>
+                </a:tc>
+                <a:extLst>
+                  <a:ext uri="{0D108BD9-81ED-4DB2-BD59-A6C34878D82A}">
+                    <a16:rowId xmlns:a16="http://schemas.microsoft.com/office/drawing/2014/main" xmlns="" val="733235577"/>
+                  </a:ext>
+                </a:extLst>
+              </a:tr>
+            </a:tbl>
+          </a:graphicData>
+        </a:graphic>
+      </p:graphicFrame>
     </p:spTree>
     <p:extLst>
       <p:ext uri="{BB962C8B-B14F-4D97-AF65-F5344CB8AC3E}">
-        <p14:creationId xmlns:p14="http://schemas.microsoft.com/office/powerpoint/2010/main" val="318349970"/>
+        <p14:creationId xmlns:p14="http://schemas.microsoft.com/office/powerpoint/2010/main" val="1470700270"/>
       </p:ext>
     </p:extLst>
   </p:cSld>
   <p:clrMapOvr>
     <a:masterClrMapping/>
   </p:clrMapOvr>
+  <mc:AlternateContent xmlns:mc="http://schemas.openxmlformats.org/markup-compatibility/2006">
+    <mc:Choice xmlns:p14="http://schemas.microsoft.com/office/powerpoint/2010/main" Requires="p14">
+      <p:transition spd="slow" p14:dur="2000"/>
+    </mc:Choice>
+    <mc:Fallback>
+      <p:transition spd="slow"/>
+    </mc:Fallback>
+  </mc:AlternateContent>
   <p:timing>
     <p:tnLst>
       <p:par>
-        <p:cTn xmlns:p14="http://schemas.microsoft.com/office/powerpoint/2010/main" id="1" dur="indefinite" restart="never" nodeType="tmRoot"/>
+        <p:cTn id="1" dur="indefinite" restart="never" nodeType="tmRoot"/>
       </p:par>
     </p:tnLst>
   </p:timing>
@@ -4513,7 +4826,7 @@
   <p:timing>
     <p:tnLst>
       <p:par>
-        <p:cTn xmlns:p14="http://schemas.microsoft.com/office/powerpoint/2010/main" id="1" dur="indefinite" restart="never" nodeType="tmRoot"/>
+        <p:cTn id="1" dur="indefinite" restart="never" nodeType="tmRoot"/>
       </p:par>
     </p:tnLst>
   </p:timing>
@@ -4600,7 +4913,7 @@
   <p:timing>
     <p:tnLst>
       <p:par>
-        <p:cTn xmlns:p14="http://schemas.microsoft.com/office/powerpoint/2010/main" id="1" dur="indefinite" restart="never" nodeType="tmRoot"/>
+        <p:cTn id="1" dur="indefinite" restart="never" nodeType="tmRoot"/>
       </p:par>
     </p:tnLst>
   </p:timing>
@@ -4676,6 +4989,19 @@
               <a:rPr lang="en-US" dirty="0" err="1" smtClean="0"/>
               <a:t>canadianjames</a:t>
             </a:r>
+            <a:endParaRPr lang="en-US" dirty="0" smtClean="0"/>
+          </a:p>
+          <a:p>
+            <a:endParaRPr lang="en-US" dirty="0"/>
+          </a:p>
+          <a:p>
+            <a:endParaRPr lang="en-US" dirty="0" smtClean="0"/>
+          </a:p>
+          <a:p>
+            <a:r>
+              <a:rPr lang="en-US" smtClean="0"/>
+              <a:t>BACKMATTER</a:t>
+            </a:r>
             <a:endParaRPr lang="en-US" dirty="0"/>
           </a:p>
         </p:txBody>
@@ -4693,7 +5019,7 @@
   <p:timing>
     <p:tnLst>
       <p:par>
-        <p:cTn xmlns:p14="http://schemas.microsoft.com/office/powerpoint/2010/main" id="1" dur="indefinite" restart="never" nodeType="tmRoot"/>
+        <p:cTn id="1" dur="indefinite" restart="never" nodeType="tmRoot"/>
       </p:par>
     </p:tnLst>
   </p:timing>
@@ -4735,6 +5061,13 @@
       <p:transition spd="slow"/>
     </mc:Fallback>
   </mc:AlternateContent>
+  <p:timing>
+    <p:tnLst>
+      <p:par>
+        <p:cTn id="1" dur="indefinite" restart="never" nodeType="tmRoot"/>
+      </p:par>
+    </p:tnLst>
+  </p:timing>
 </p:sld>
 </file>
 
@@ -5278,7 +5611,7 @@
   <a:extraClrSchemeLst/>
   <a:extLst>
     <a:ext uri="{05A4C25C-085E-4340-85A3-A5531E510DB2}">
-      <thm15:themeFamily xmlns:thm15="http://schemas.microsoft.com/office/thememl/2012/main" xmlns="" name="Office Theme" id="{62F939B6-93AF-4DB8-9C6B-D6C7DFDC589F}" vid="{4A3C46E8-61CC-4603-A589-7422A47A8E4A}"/>
+      <thm15:themeFamily xmlns:thm15="http://schemas.microsoft.com/office/thememl/2012/main" name="Office Theme" id="{62F939B6-93AF-4DB8-9C6B-D6C7DFDC589F}" vid="{4A3C46E8-61CC-4603-A589-7422A47A8E4A}"/>
     </a:ext>
   </a:extLst>
 </a:theme>
@@ -5539,65 +5872,13 @@
   <a:extraClrSchemeLst/>
   <a:extLst>
     <a:ext uri="{05A4C25C-085E-4340-85A3-A5531E510DB2}">
-      <thm15:themeFamily xmlns:thm15="http://schemas.microsoft.com/office/thememl/2012/main" xmlns="" name="Office Theme" id="{62F939B6-93AF-4DB8-9C6B-D6C7DFDC589F}" vid="{4A3C46E8-61CC-4603-A589-7422A47A8E4A}"/>
+      <thm15:themeFamily xmlns:thm15="http://schemas.microsoft.com/office/thememl/2012/main" name="Office Theme" id="{62F939B6-93AF-4DB8-9C6B-D6C7DFDC589F}" vid="{4A3C46E8-61CC-4603-A589-7422A47A8E4A}"/>
     </a:ext>
   </a:extLst>
 </a:theme>
 </file>
 
 <file path=customXml/item1.xml><?xml version="1.0" encoding="utf-8"?>
-<p:properties xmlns:p="http://schemas.microsoft.com/office/2006/metadata/properties" xmlns:xsi="http://www.w3.org/2001/XMLSchema-instance" xmlns:pc="http://schemas.microsoft.com/office/infopath/2007/PartnerControls">
-  <documentManagement>
-    <TaxCatchAll xmlns="230e9df3-be65-4c73-a93b-d1236ebd677e"/>
-    <PublishingExpirationDate xmlns="http://schemas.microsoft.com/sharepoint/v3" xsi:nil="true"/>
-    <PublishingStartDate xmlns="http://schemas.microsoft.com/sharepoint/v3" xsi:nil="true"/>
-    <TaxKeywordTaxHTField xmlns="230e9df3-be65-4c73-a93b-d1236ebd677e">
-      <Terms xmlns="http://schemas.microsoft.com/office/infopath/2007/PartnerControls"/>
-    </TaxKeywordTaxHTField>
-    <SharedWithUsers xmlns="27aa9422-7f1f-4c84-9cdf-302b1a67e513">
-      <UserInfo>
-        <DisplayName>Shriram Natarajan (SHRI)</DisplayName>
-        <AccountId>3899</AccountId>
-        <AccountType/>
-      </UserInfo>
-      <UserInfo>
-        <DisplayName>Andrew Nickels</DisplayName>
-        <AccountId>24014</AccountId>
-        <AccountType/>
-      </UserInfo>
-      <UserInfo>
-        <DisplayName>Steven Goddard (WSSC)</DisplayName>
-        <AccountId>29711</AccountId>
-        <AccountType/>
-      </UserInfo>
-      <UserInfo>
-        <DisplayName>Jim Clark (LEARNING)</DisplayName>
-        <AccountId>86</AccountId>
-        <AccountType/>
-      </UserInfo>
-      <UserInfo>
-        <DisplayName>Vijay Kumar</DisplayName>
-        <AccountId>53758</AccountId>
-        <AccountType/>
-      </UserInfo>
-    </SharedWithUsers>
-    <SharingHintHash xmlns="27aa9422-7f1f-4c84-9cdf-302b1a67e513">1366665793</SharingHintHash>
-    <_ip_UnifiedCompliancePolicyUIAction xmlns="http://schemas.microsoft.com/sharepoint/v3" xsi:nil="true"/>
-    <_ip_UnifiedCompliancePolicyProperties xmlns="http://schemas.microsoft.com/sharepoint/v3" xsi:nil="true"/>
-  </documentManagement>
-</p:properties>
-</file>
-
-<file path=customXml/item2.xml><?xml version="1.0" encoding="utf-8"?>
-<?mso-contentType ?>
-<FormTemplates xmlns="http://schemas.microsoft.com/sharepoint/v3/contenttype/forms">
-  <Display>DocumentLibraryForm</Display>
-  <Edit>DocumentLibraryForm</Edit>
-  <New>DocumentLibraryForm</New>
-</FormTemplates>
-</file>
-
-<file path=customXml/item3.xml><?xml version="1.0" encoding="utf-8"?>
 <ct:contentTypeSchema xmlns:ct="http://schemas.microsoft.com/office/2006/metadata/contentType" xmlns:ma="http://schemas.microsoft.com/office/2006/metadata/properties/metaAttributes" ct:_="" ma:_="" ma:contentTypeName="Document" ma:contentTypeID="0x010100496889825850D44592AC5D2F43187AE4" ma:contentTypeVersion="9" ma:contentTypeDescription="Create a new document." ma:contentTypeScope="" ma:versionID="fa7e7aa81c9af57d0e724452ff5695cd">
   <xsd:schema xmlns:xsd="http://www.w3.org/2001/XMLSchema" xmlns:xs="http://www.w3.org/2001/XMLSchema" xmlns:p="http://schemas.microsoft.com/office/2006/metadata/properties" xmlns:ns1="http://schemas.microsoft.com/sharepoint/v3" xmlns:ns2="230e9df3-be65-4c73-a93b-d1236ebd677e" xmlns:ns3="27aa9422-7f1f-4c84-9cdf-302b1a67e513" targetNamespace="http://schemas.microsoft.com/office/2006/metadata/properties" ma:root="true" ma:fieldsID="ef7d28e69d816f0a5e355ee49f463c96" ns1:_="" ns2:_="" ns3:_="">
     <xsd:import namespace="http://schemas.microsoft.com/sharepoint/v3"/>
@@ -5805,33 +6086,59 @@
 </ct:contentTypeSchema>
 </file>
 
-<file path=customXml/itemProps1.xml><?xml version="1.0" encoding="utf-8"?>
-<ds:datastoreItem xmlns:ds="http://schemas.openxmlformats.org/officeDocument/2006/customXml" ds:itemID="{7025FDD9-4C58-4084-9F89-0E6ADD6FFF55}">
-  <ds:schemaRefs>
-    <ds:schemaRef ds:uri="http://purl.org/dc/terms/"/>
-    <ds:schemaRef ds:uri="http://purl.org/dc/elements/1.1/"/>
-    <ds:schemaRef ds:uri="http://schemas.openxmlformats.org/package/2006/metadata/core-properties"/>
-    <ds:schemaRef ds:uri="27aa9422-7f1f-4c84-9cdf-302b1a67e513"/>
-    <ds:schemaRef ds:uri="http://schemas.microsoft.com/office/infopath/2007/PartnerControls"/>
-    <ds:schemaRef ds:uri="http://purl.org/dc/dcmitype/"/>
-    <ds:schemaRef ds:uri="http://www.w3.org/XML/1998/namespace"/>
-    <ds:schemaRef ds:uri="http://schemas.microsoft.com/office/2006/documentManagement/types"/>
-    <ds:schemaRef ds:uri="230e9df3-be65-4c73-a93b-d1236ebd677e"/>
-    <ds:schemaRef ds:uri="http://schemas.microsoft.com/sharepoint/v3"/>
-    <ds:schemaRef ds:uri="http://schemas.microsoft.com/office/2006/metadata/properties"/>
-  </ds:schemaRefs>
-</ds:datastoreItem>
+<file path=customXml/item2.xml><?xml version="1.0" encoding="utf-8"?>
+<?mso-contentType ?>
+<FormTemplates xmlns="http://schemas.microsoft.com/sharepoint/v3/contenttype/forms">
+  <Display>DocumentLibraryForm</Display>
+  <Edit>DocumentLibraryForm</Edit>
+  <New>DocumentLibraryForm</New>
+</FormTemplates>
 </file>
 
-<file path=customXml/itemProps2.xml><?xml version="1.0" encoding="utf-8"?>
-<ds:datastoreItem xmlns:ds="http://schemas.openxmlformats.org/officeDocument/2006/customXml" ds:itemID="{B0CA13EC-1D3C-4D6F-8D1C-E8A452CFC79A}">
-  <ds:schemaRefs>
-    <ds:schemaRef ds:uri="http://schemas.microsoft.com/sharepoint/v3/contenttype/forms"/>
-  </ds:schemaRefs>
-</ds:datastoreItem>
+<file path=customXml/item3.xml><?xml version="1.0" encoding="utf-8"?>
+<p:properties xmlns:p="http://schemas.microsoft.com/office/2006/metadata/properties" xmlns:xsi="http://www.w3.org/2001/XMLSchema-instance" xmlns:pc="http://schemas.microsoft.com/office/infopath/2007/PartnerControls">
+  <documentManagement>
+    <TaxCatchAll xmlns="230e9df3-be65-4c73-a93b-d1236ebd677e"/>
+    <PublishingExpirationDate xmlns="http://schemas.microsoft.com/sharepoint/v3" xsi:nil="true"/>
+    <PublishingStartDate xmlns="http://schemas.microsoft.com/sharepoint/v3" xsi:nil="true"/>
+    <TaxKeywordTaxHTField xmlns="230e9df3-be65-4c73-a93b-d1236ebd677e">
+      <Terms xmlns="http://schemas.microsoft.com/office/infopath/2007/PartnerControls"/>
+    </TaxKeywordTaxHTField>
+    <SharedWithUsers xmlns="27aa9422-7f1f-4c84-9cdf-302b1a67e513">
+      <UserInfo>
+        <DisplayName>Shriram Natarajan (SHRI)</DisplayName>
+        <AccountId>3899</AccountId>
+        <AccountType/>
+      </UserInfo>
+      <UserInfo>
+        <DisplayName>Andrew Nickels</DisplayName>
+        <AccountId>24014</AccountId>
+        <AccountType/>
+      </UserInfo>
+      <UserInfo>
+        <DisplayName>Steven Goddard (WSSC)</DisplayName>
+        <AccountId>29711</AccountId>
+        <AccountType/>
+      </UserInfo>
+      <UserInfo>
+        <DisplayName>Jim Clark (LEARNING)</DisplayName>
+        <AccountId>86</AccountId>
+        <AccountType/>
+      </UserInfo>
+      <UserInfo>
+        <DisplayName>Vijay Kumar</DisplayName>
+        <AccountId>53758</AccountId>
+        <AccountType/>
+      </UserInfo>
+    </SharedWithUsers>
+    <SharingHintHash xmlns="27aa9422-7f1f-4c84-9cdf-302b1a67e513">1366665793</SharingHintHash>
+    <_ip_UnifiedCompliancePolicyUIAction xmlns="http://schemas.microsoft.com/sharepoint/v3" xsi:nil="true"/>
+    <_ip_UnifiedCompliancePolicyProperties xmlns="http://schemas.microsoft.com/sharepoint/v3" xsi:nil="true"/>
+  </documentManagement>
+</p:properties>
 </file>
 
-<file path=customXml/itemProps3.xml><?xml version="1.0" encoding="utf-8"?>
+<file path=customXml/itemProps1.xml><?xml version="1.0" encoding="utf-8"?>
 <ds:datastoreItem xmlns:ds="http://schemas.openxmlformats.org/officeDocument/2006/customXml" ds:itemID="{B8E57EAE-DEC5-48ED-98EA-03E186D6E9F9}">
   <ds:schemaRefs>
     <ds:schemaRef ds:uri="http://schemas.microsoft.com/office/2006/metadata/contentType"/>
@@ -5849,4 +6156,30 @@
     <ds:schemaRef ds:uri="http://schemas.microsoft.com/internal/obd"/>
   </ds:schemaRefs>
 </ds:datastoreItem>
+</file>
+
+<file path=customXml/itemProps2.xml><?xml version="1.0" encoding="utf-8"?>
+<ds:datastoreItem xmlns:ds="http://schemas.openxmlformats.org/officeDocument/2006/customXml" ds:itemID="{B0CA13EC-1D3C-4D6F-8D1C-E8A452CFC79A}">
+  <ds:schemaRefs>
+    <ds:schemaRef ds:uri="http://schemas.microsoft.com/sharepoint/v3/contenttype/forms"/>
+  </ds:schemaRefs>
+</ds:datastoreItem>
+</file>
+
+<file path=customXml/itemProps3.xml><?xml version="1.0" encoding="utf-8"?>
+<ds:datastoreItem xmlns:ds="http://schemas.openxmlformats.org/officeDocument/2006/customXml" ds:itemID="{7025FDD9-4C58-4084-9F89-0E6ADD6FFF55}">
+  <ds:schemaRefs>
+    <ds:schemaRef ds:uri="27aa9422-7f1f-4c84-9cdf-302b1a67e513"/>
+    <ds:schemaRef ds:uri="http://schemas.microsoft.com/office/2006/metadata/properties"/>
+    <ds:schemaRef ds:uri="http://www.w3.org/XML/1998/namespace"/>
+    <ds:schemaRef ds:uri="http://schemas.openxmlformats.org/package/2006/metadata/core-properties"/>
+    <ds:schemaRef ds:uri="http://purl.org/dc/terms/"/>
+    <ds:schemaRef ds:uri="http://purl.org/dc/elements/1.1/"/>
+    <ds:schemaRef ds:uri="http://purl.org/dc/dcmitype/"/>
+    <ds:schemaRef ds:uri="http://schemas.microsoft.com/sharepoint/v3"/>
+    <ds:schemaRef ds:uri="http://schemas.microsoft.com/office/2006/documentManagement/types"/>
+    <ds:schemaRef ds:uri="http://schemas.microsoft.com/office/infopath/2007/PartnerControls"/>
+    <ds:schemaRef ds:uri="230e9df3-be65-4c73-a93b-d1236ebd677e"/>
+  </ds:schemaRefs>
+</ds:datastoreItem>
 </file>